--- a/2-1 Web App in the Market Places.pptx
+++ b/2-1 Web App in the Market Places.pptx
@@ -5,11 +5,13 @@
     <p:sldMasterId id="2147483660" r:id="rId1"/>
   </p:sldMasterIdLst>
   <p:notesMasterIdLst>
-    <p:notesMasterId r:id="rId4"/>
+    <p:notesMasterId r:id="rId6"/>
   </p:notesMasterIdLst>
   <p:sldIdLst>
     <p:sldId id="256" r:id="rId2"/>
     <p:sldId id="273" r:id="rId3"/>
+    <p:sldId id="274" r:id="rId4"/>
+    <p:sldId id="275" r:id="rId5"/>
   </p:sldIdLst>
   <p:sldSz cx="12192000" cy="6858000"/>
   <p:notesSz cx="6858000" cy="9144000"/>
@@ -120,6 +122,2617 @@
 <p1510:revInfo xmlns:a="http://schemas.openxmlformats.org/drawingml/2006/main" xmlns:r="http://schemas.openxmlformats.org/officeDocument/2006/relationships" xmlns:p1510="http://schemas.microsoft.com/office/powerpoint/2015/10/main"/>
 </file>
 
+<file path=ppt/diagrams/colors1.xml><?xml version="1.0" encoding="utf-8"?>
+<dgm:colorsDef xmlns:dgm="http://schemas.openxmlformats.org/drawingml/2006/diagram" xmlns:a="http://schemas.openxmlformats.org/drawingml/2006/main" uniqueId="urn:microsoft.com/office/officeart/2005/8/colors/colorful1">
+  <dgm:title val=""/>
+  <dgm:desc val=""/>
+  <dgm:catLst>
+    <dgm:cat type="colorful" pri="10100"/>
+  </dgm:catLst>
+  <dgm:styleLbl name="node0">
+    <dgm:fillClrLst meth="repeat">
+      <a:schemeClr val="accent1"/>
+    </dgm:fillClrLst>
+    <dgm:linClrLst meth="repeat">
+      <a:schemeClr val="lt1"/>
+    </dgm:linClrLst>
+    <dgm:effectClrLst/>
+    <dgm:txLinClrLst/>
+    <dgm:txFillClrLst/>
+    <dgm:txEffectClrLst/>
+  </dgm:styleLbl>
+  <dgm:styleLbl name="node1">
+    <dgm:fillClrLst meth="repeat">
+      <a:schemeClr val="accent2"/>
+      <a:schemeClr val="accent3"/>
+      <a:schemeClr val="accent4"/>
+      <a:schemeClr val="accent5"/>
+      <a:schemeClr val="accent6"/>
+    </dgm:fillClrLst>
+    <dgm:linClrLst meth="repeat">
+      <a:schemeClr val="lt1"/>
+    </dgm:linClrLst>
+    <dgm:effectClrLst/>
+    <dgm:txLinClrLst/>
+    <dgm:txFillClrLst/>
+    <dgm:txEffectClrLst/>
+  </dgm:styleLbl>
+  <dgm:styleLbl name="alignNode1">
+    <dgm:fillClrLst meth="repeat">
+      <a:schemeClr val="accent2"/>
+      <a:schemeClr val="accent3"/>
+      <a:schemeClr val="accent4"/>
+      <a:schemeClr val="accent5"/>
+      <a:schemeClr val="accent6"/>
+    </dgm:fillClrLst>
+    <dgm:linClrLst meth="repeat">
+      <a:schemeClr val="accent2"/>
+      <a:schemeClr val="accent3"/>
+      <a:schemeClr val="accent4"/>
+      <a:schemeClr val="accent5"/>
+      <a:schemeClr val="accent6"/>
+    </dgm:linClrLst>
+    <dgm:effectClrLst/>
+    <dgm:txLinClrLst/>
+    <dgm:txFillClrLst/>
+    <dgm:txEffectClrLst/>
+  </dgm:styleLbl>
+  <dgm:styleLbl name="lnNode1">
+    <dgm:fillClrLst meth="repeat">
+      <a:schemeClr val="accent2"/>
+      <a:schemeClr val="accent3"/>
+      <a:schemeClr val="accent4"/>
+      <a:schemeClr val="accent5"/>
+      <a:schemeClr val="accent6"/>
+    </dgm:fillClrLst>
+    <dgm:linClrLst meth="repeat">
+      <a:schemeClr val="lt1"/>
+    </dgm:linClrLst>
+    <dgm:effectClrLst/>
+    <dgm:txLinClrLst/>
+    <dgm:txFillClrLst/>
+    <dgm:txEffectClrLst/>
+  </dgm:styleLbl>
+  <dgm:styleLbl name="vennNode1">
+    <dgm:fillClrLst meth="repeat">
+      <a:schemeClr val="accent2">
+        <a:alpha val="50000"/>
+      </a:schemeClr>
+      <a:schemeClr val="accent3">
+        <a:alpha val="50000"/>
+      </a:schemeClr>
+      <a:schemeClr val="accent4">
+        <a:alpha val="50000"/>
+      </a:schemeClr>
+      <a:schemeClr val="accent5">
+        <a:alpha val="50000"/>
+      </a:schemeClr>
+      <a:schemeClr val="accent6">
+        <a:alpha val="50000"/>
+      </a:schemeClr>
+    </dgm:fillClrLst>
+    <dgm:linClrLst meth="repeat">
+      <a:schemeClr val="lt1"/>
+    </dgm:linClrLst>
+    <dgm:effectClrLst/>
+    <dgm:txLinClrLst/>
+    <dgm:txFillClrLst/>
+    <dgm:txEffectClrLst/>
+  </dgm:styleLbl>
+  <dgm:styleLbl name="node2">
+    <dgm:fillClrLst>
+      <a:schemeClr val="accent2"/>
+    </dgm:fillClrLst>
+    <dgm:linClrLst meth="repeat">
+      <a:schemeClr val="lt1"/>
+    </dgm:linClrLst>
+    <dgm:effectClrLst/>
+    <dgm:txLinClrLst/>
+    <dgm:txFillClrLst/>
+    <dgm:txEffectClrLst/>
+  </dgm:styleLbl>
+  <dgm:styleLbl name="node3">
+    <dgm:fillClrLst>
+      <a:schemeClr val="accent3"/>
+    </dgm:fillClrLst>
+    <dgm:linClrLst meth="repeat">
+      <a:schemeClr val="lt1"/>
+    </dgm:linClrLst>
+    <dgm:effectClrLst/>
+    <dgm:txLinClrLst/>
+    <dgm:txFillClrLst/>
+    <dgm:txEffectClrLst/>
+  </dgm:styleLbl>
+  <dgm:styleLbl name="node4">
+    <dgm:fillClrLst>
+      <a:schemeClr val="accent4"/>
+    </dgm:fillClrLst>
+    <dgm:linClrLst meth="repeat">
+      <a:schemeClr val="lt1"/>
+    </dgm:linClrLst>
+    <dgm:effectClrLst/>
+    <dgm:txLinClrLst/>
+    <dgm:txFillClrLst/>
+    <dgm:txEffectClrLst/>
+  </dgm:styleLbl>
+  <dgm:styleLbl name="fgImgPlace1">
+    <dgm:fillClrLst meth="repeat">
+      <a:schemeClr val="accent2">
+        <a:tint val="50000"/>
+      </a:schemeClr>
+      <a:schemeClr val="accent3">
+        <a:tint val="50000"/>
+      </a:schemeClr>
+      <a:schemeClr val="accent4">
+        <a:tint val="50000"/>
+      </a:schemeClr>
+      <a:schemeClr val="accent5">
+        <a:tint val="50000"/>
+      </a:schemeClr>
+      <a:schemeClr val="accent6">
+        <a:tint val="50000"/>
+      </a:schemeClr>
+    </dgm:fillClrLst>
+    <dgm:linClrLst meth="repeat">
+      <a:schemeClr val="lt1"/>
+    </dgm:linClrLst>
+    <dgm:effectClrLst/>
+    <dgm:txLinClrLst/>
+    <dgm:txFillClrLst meth="repeat">
+      <a:schemeClr val="lt1"/>
+    </dgm:txFillClrLst>
+    <dgm:txEffectClrLst/>
+  </dgm:styleLbl>
+  <dgm:styleLbl name="alignImgPlace1">
+    <dgm:fillClrLst>
+      <a:schemeClr val="accent1">
+        <a:tint val="50000"/>
+      </a:schemeClr>
+      <a:schemeClr val="accent2">
+        <a:tint val="20000"/>
+      </a:schemeClr>
+    </dgm:fillClrLst>
+    <dgm:linClrLst meth="repeat">
+      <a:schemeClr val="lt1"/>
+    </dgm:linClrLst>
+    <dgm:effectClrLst/>
+    <dgm:txLinClrLst/>
+    <dgm:txFillClrLst meth="repeat">
+      <a:schemeClr val="lt1"/>
+    </dgm:txFillClrLst>
+    <dgm:txEffectClrLst/>
+  </dgm:styleLbl>
+  <dgm:styleLbl name="bgImgPlace1">
+    <dgm:fillClrLst>
+      <a:schemeClr val="accent1">
+        <a:tint val="50000"/>
+      </a:schemeClr>
+      <a:schemeClr val="accent2">
+        <a:tint val="20000"/>
+      </a:schemeClr>
+    </dgm:fillClrLst>
+    <dgm:linClrLst meth="repeat">
+      <a:schemeClr val="lt1"/>
+    </dgm:linClrLst>
+    <dgm:effectClrLst/>
+    <dgm:txLinClrLst/>
+    <dgm:txFillClrLst meth="repeat">
+      <a:schemeClr val="lt1"/>
+    </dgm:txFillClrLst>
+    <dgm:txEffectClrLst/>
+  </dgm:styleLbl>
+  <dgm:styleLbl name="sibTrans2D1">
+    <dgm:fillClrLst meth="repeat">
+      <a:schemeClr val="accent2"/>
+      <a:schemeClr val="accent3"/>
+      <a:schemeClr val="accent4"/>
+      <a:schemeClr val="accent5"/>
+      <a:schemeClr val="accent6"/>
+    </dgm:fillClrLst>
+    <dgm:linClrLst meth="cycle">
+      <a:schemeClr val="lt1"/>
+    </dgm:linClrLst>
+    <dgm:effectClrLst/>
+    <dgm:txLinClrLst/>
+    <dgm:txFillClrLst/>
+    <dgm:txEffectClrLst/>
+  </dgm:styleLbl>
+  <dgm:styleLbl name="fgSibTrans2D1">
+    <dgm:fillClrLst meth="repeat">
+      <a:schemeClr val="accent2"/>
+      <a:schemeClr val="accent3"/>
+      <a:schemeClr val="accent4"/>
+      <a:schemeClr val="accent5"/>
+      <a:schemeClr val="accent6"/>
+    </dgm:fillClrLst>
+    <dgm:linClrLst meth="cycle">
+      <a:schemeClr val="lt1"/>
+    </dgm:linClrLst>
+    <dgm:effectClrLst/>
+    <dgm:txLinClrLst/>
+    <dgm:txFillClrLst meth="repeat">
+      <a:schemeClr val="lt1"/>
+    </dgm:txFillClrLst>
+    <dgm:txEffectClrLst/>
+  </dgm:styleLbl>
+  <dgm:styleLbl name="bgSibTrans2D1">
+    <dgm:fillClrLst meth="repeat">
+      <a:schemeClr val="accent2"/>
+      <a:schemeClr val="accent3"/>
+      <a:schemeClr val="accent4"/>
+      <a:schemeClr val="accent5"/>
+      <a:schemeClr val="accent6"/>
+    </dgm:fillClrLst>
+    <dgm:linClrLst meth="cycle">
+      <a:schemeClr val="lt1"/>
+    </dgm:linClrLst>
+    <dgm:effectClrLst/>
+    <dgm:txLinClrLst/>
+    <dgm:txFillClrLst meth="repeat">
+      <a:schemeClr val="lt1"/>
+    </dgm:txFillClrLst>
+    <dgm:txEffectClrLst/>
+  </dgm:styleLbl>
+  <dgm:styleLbl name="sibTrans1D1">
+    <dgm:fillClrLst meth="repeat">
+      <a:schemeClr val="accent2"/>
+      <a:schemeClr val="accent3"/>
+      <a:schemeClr val="accent4"/>
+      <a:schemeClr val="accent5"/>
+      <a:schemeClr val="accent6"/>
+    </dgm:fillClrLst>
+    <dgm:linClrLst meth="repeat">
+      <a:schemeClr val="accent2"/>
+      <a:schemeClr val="accent3"/>
+      <a:schemeClr val="accent4"/>
+      <a:schemeClr val="accent5"/>
+      <a:schemeClr val="accent6"/>
+    </dgm:linClrLst>
+    <dgm:effectClrLst/>
+    <dgm:txLinClrLst/>
+    <dgm:txFillClrLst meth="repeat">
+      <a:schemeClr val="tx1"/>
+    </dgm:txFillClrLst>
+    <dgm:txEffectClrLst/>
+  </dgm:styleLbl>
+  <dgm:styleLbl name="callout">
+    <dgm:fillClrLst meth="repeat">
+      <a:schemeClr val="accent2"/>
+    </dgm:fillClrLst>
+    <dgm:linClrLst meth="repeat">
+      <a:schemeClr val="accent2">
+        <a:tint val="50000"/>
+      </a:schemeClr>
+    </dgm:linClrLst>
+    <dgm:effectClrLst/>
+    <dgm:txLinClrLst/>
+    <dgm:txFillClrLst meth="repeat">
+      <a:schemeClr val="tx1"/>
+    </dgm:txFillClrLst>
+    <dgm:txEffectClrLst/>
+  </dgm:styleLbl>
+  <dgm:styleLbl name="asst0">
+    <dgm:fillClrLst meth="repeat">
+      <a:schemeClr val="accent1"/>
+    </dgm:fillClrLst>
+    <dgm:linClrLst meth="repeat">
+      <a:schemeClr val="lt1"/>
+    </dgm:linClrLst>
+    <dgm:effectClrLst/>
+    <dgm:txLinClrLst/>
+    <dgm:txFillClrLst/>
+    <dgm:txEffectClrLst/>
+  </dgm:styleLbl>
+  <dgm:styleLbl name="asst1">
+    <dgm:fillClrLst meth="repeat">
+      <a:schemeClr val="accent2"/>
+    </dgm:fillClrLst>
+    <dgm:linClrLst meth="repeat">
+      <a:schemeClr val="lt1"/>
+    </dgm:linClrLst>
+    <dgm:effectClrLst/>
+    <dgm:txLinClrLst/>
+    <dgm:txFillClrLst/>
+    <dgm:txEffectClrLst/>
+  </dgm:styleLbl>
+  <dgm:styleLbl name="asst2">
+    <dgm:fillClrLst>
+      <a:schemeClr val="accent3"/>
+    </dgm:fillClrLst>
+    <dgm:linClrLst meth="repeat">
+      <a:schemeClr val="lt1"/>
+    </dgm:linClrLst>
+    <dgm:effectClrLst/>
+    <dgm:txLinClrLst/>
+    <dgm:txFillClrLst/>
+    <dgm:txEffectClrLst/>
+  </dgm:styleLbl>
+  <dgm:styleLbl name="asst3">
+    <dgm:fillClrLst>
+      <a:schemeClr val="accent4"/>
+    </dgm:fillClrLst>
+    <dgm:linClrLst meth="repeat">
+      <a:schemeClr val="lt1"/>
+    </dgm:linClrLst>
+    <dgm:effectClrLst/>
+    <dgm:txLinClrLst/>
+    <dgm:txFillClrLst/>
+    <dgm:txEffectClrLst/>
+  </dgm:styleLbl>
+  <dgm:styleLbl name="asst4">
+    <dgm:fillClrLst>
+      <a:schemeClr val="accent5"/>
+    </dgm:fillClrLst>
+    <dgm:linClrLst meth="repeat">
+      <a:schemeClr val="lt1"/>
+    </dgm:linClrLst>
+    <dgm:effectClrLst/>
+    <dgm:txLinClrLst/>
+    <dgm:txFillClrLst/>
+    <dgm:txEffectClrLst/>
+  </dgm:styleLbl>
+  <dgm:styleLbl name="parChTrans2D1">
+    <dgm:fillClrLst meth="repeat">
+      <a:schemeClr val="accent2"/>
+    </dgm:fillClrLst>
+    <dgm:linClrLst meth="repeat">
+      <a:schemeClr val="lt1"/>
+    </dgm:linClrLst>
+    <dgm:effectClrLst/>
+    <dgm:txLinClrLst/>
+    <dgm:txFillClrLst meth="repeat">
+      <a:schemeClr val="lt1"/>
+    </dgm:txFillClrLst>
+    <dgm:txEffectClrLst/>
+  </dgm:styleLbl>
+  <dgm:styleLbl name="parChTrans2D2">
+    <dgm:fillClrLst meth="repeat">
+      <a:schemeClr val="accent3"/>
+    </dgm:fillClrLst>
+    <dgm:linClrLst meth="repeat">
+      <a:schemeClr val="lt1"/>
+    </dgm:linClrLst>
+    <dgm:effectClrLst/>
+    <dgm:txLinClrLst/>
+    <dgm:txFillClrLst/>
+    <dgm:txEffectClrLst/>
+  </dgm:styleLbl>
+  <dgm:styleLbl name="parChTrans2D3">
+    <dgm:fillClrLst meth="repeat">
+      <a:schemeClr val="accent4"/>
+    </dgm:fillClrLst>
+    <dgm:linClrLst meth="repeat">
+      <a:schemeClr val="lt1"/>
+    </dgm:linClrLst>
+    <dgm:effectClrLst/>
+    <dgm:txLinClrLst/>
+    <dgm:txFillClrLst/>
+    <dgm:txEffectClrLst/>
+  </dgm:styleLbl>
+  <dgm:styleLbl name="parChTrans2D4">
+    <dgm:fillClrLst meth="repeat">
+      <a:schemeClr val="accent5"/>
+    </dgm:fillClrLst>
+    <dgm:linClrLst meth="repeat">
+      <a:schemeClr val="lt1"/>
+    </dgm:linClrLst>
+    <dgm:effectClrLst/>
+    <dgm:txLinClrLst/>
+    <dgm:txFillClrLst meth="repeat">
+      <a:schemeClr val="lt1"/>
+    </dgm:txFillClrLst>
+    <dgm:txEffectClrLst/>
+  </dgm:styleLbl>
+  <dgm:styleLbl name="parChTrans1D1">
+    <dgm:fillClrLst meth="repeat">
+      <a:schemeClr val="accent2"/>
+    </dgm:fillClrLst>
+    <dgm:linClrLst meth="repeat">
+      <a:schemeClr val="accent1"/>
+    </dgm:linClrLst>
+    <dgm:effectClrLst/>
+    <dgm:txLinClrLst/>
+    <dgm:txFillClrLst meth="repeat">
+      <a:schemeClr val="tx1"/>
+    </dgm:txFillClrLst>
+    <dgm:txEffectClrLst/>
+  </dgm:styleLbl>
+  <dgm:styleLbl name="parChTrans1D2">
+    <dgm:fillClrLst meth="repeat">
+      <a:schemeClr val="accent3">
+        <a:tint val="90000"/>
+      </a:schemeClr>
+    </dgm:fillClrLst>
+    <dgm:linClrLst meth="repeat">
+      <a:schemeClr val="accent2"/>
+    </dgm:linClrLst>
+    <dgm:effectClrLst/>
+    <dgm:txLinClrLst/>
+    <dgm:txFillClrLst meth="repeat">
+      <a:schemeClr val="tx1"/>
+    </dgm:txFillClrLst>
+    <dgm:txEffectClrLst/>
+  </dgm:styleLbl>
+  <dgm:styleLbl name="parChTrans1D3">
+    <dgm:fillClrLst meth="repeat">
+      <a:schemeClr val="accent4">
+        <a:tint val="70000"/>
+      </a:schemeClr>
+    </dgm:fillClrLst>
+    <dgm:linClrLst meth="repeat">
+      <a:schemeClr val="accent3"/>
+    </dgm:linClrLst>
+    <dgm:effectClrLst/>
+    <dgm:txLinClrLst/>
+    <dgm:txFillClrLst meth="repeat">
+      <a:schemeClr val="tx1"/>
+    </dgm:txFillClrLst>
+    <dgm:txEffectClrLst/>
+  </dgm:styleLbl>
+  <dgm:styleLbl name="parChTrans1D4">
+    <dgm:fillClrLst meth="repeat">
+      <a:schemeClr val="accent5">
+        <a:tint val="50000"/>
+      </a:schemeClr>
+    </dgm:fillClrLst>
+    <dgm:linClrLst meth="repeat">
+      <a:schemeClr val="accent4"/>
+    </dgm:linClrLst>
+    <dgm:effectClrLst/>
+    <dgm:txLinClrLst/>
+    <dgm:txFillClrLst meth="repeat">
+      <a:schemeClr val="tx1"/>
+    </dgm:txFillClrLst>
+    <dgm:txEffectClrLst/>
+  </dgm:styleLbl>
+  <dgm:styleLbl name="fgAcc1">
+    <dgm:fillClrLst meth="repeat">
+      <a:schemeClr val="lt1">
+        <a:alpha val="90000"/>
+      </a:schemeClr>
+    </dgm:fillClrLst>
+    <dgm:linClrLst meth="repeat">
+      <a:schemeClr val="accent2"/>
+      <a:schemeClr val="accent3"/>
+      <a:schemeClr val="accent4"/>
+      <a:schemeClr val="accent5"/>
+      <a:schemeClr val="accent6"/>
+    </dgm:linClrLst>
+    <dgm:effectClrLst/>
+    <dgm:txLinClrLst/>
+    <dgm:txFillClrLst meth="repeat">
+      <a:schemeClr val="dk1"/>
+    </dgm:txFillClrLst>
+    <dgm:txEffectClrLst/>
+  </dgm:styleLbl>
+  <dgm:styleLbl name="conFgAcc1">
+    <dgm:fillClrLst meth="repeat">
+      <a:schemeClr val="lt1">
+        <a:alpha val="90000"/>
+      </a:schemeClr>
+    </dgm:fillClrLst>
+    <dgm:linClrLst meth="repeat">
+      <a:schemeClr val="accent2"/>
+      <a:schemeClr val="accent3"/>
+      <a:schemeClr val="accent4"/>
+      <a:schemeClr val="accent5"/>
+      <a:schemeClr val="accent6"/>
+    </dgm:linClrLst>
+    <dgm:effectClrLst/>
+    <dgm:txLinClrLst/>
+    <dgm:txFillClrLst meth="repeat">
+      <a:schemeClr val="dk1"/>
+    </dgm:txFillClrLst>
+    <dgm:txEffectClrLst/>
+  </dgm:styleLbl>
+  <dgm:styleLbl name="alignAcc1">
+    <dgm:fillClrLst meth="repeat">
+      <a:schemeClr val="lt1">
+        <a:alpha val="90000"/>
+      </a:schemeClr>
+    </dgm:fillClrLst>
+    <dgm:linClrLst meth="repeat">
+      <a:schemeClr val="accent2"/>
+      <a:schemeClr val="accent3"/>
+      <a:schemeClr val="accent4"/>
+      <a:schemeClr val="accent5"/>
+      <a:schemeClr val="accent6"/>
+    </dgm:linClrLst>
+    <dgm:effectClrLst/>
+    <dgm:txLinClrLst/>
+    <dgm:txFillClrLst meth="repeat">
+      <a:schemeClr val="dk1"/>
+    </dgm:txFillClrLst>
+    <dgm:txEffectClrLst/>
+  </dgm:styleLbl>
+  <dgm:styleLbl name="trAlignAcc1">
+    <dgm:fillClrLst meth="repeat">
+      <a:schemeClr val="lt1">
+        <a:alpha val="40000"/>
+      </a:schemeClr>
+    </dgm:fillClrLst>
+    <dgm:linClrLst meth="repeat">
+      <a:schemeClr val="accent1"/>
+    </dgm:linClrLst>
+    <dgm:effectClrLst/>
+    <dgm:txLinClrLst/>
+    <dgm:txFillClrLst meth="repeat">
+      <a:schemeClr val="dk1"/>
+    </dgm:txFillClrLst>
+    <dgm:txEffectClrLst/>
+  </dgm:styleLbl>
+  <dgm:styleLbl name="bgAcc1">
+    <dgm:fillClrLst meth="repeat">
+      <a:schemeClr val="lt1">
+        <a:alpha val="90000"/>
+      </a:schemeClr>
+    </dgm:fillClrLst>
+    <dgm:linClrLst meth="repeat">
+      <a:schemeClr val="accent2"/>
+      <a:schemeClr val="accent3"/>
+      <a:schemeClr val="accent4"/>
+      <a:schemeClr val="accent5"/>
+      <a:schemeClr val="accent6"/>
+    </dgm:linClrLst>
+    <dgm:effectClrLst/>
+    <dgm:txLinClrLst/>
+    <dgm:txFillClrLst meth="repeat">
+      <a:schemeClr val="dk1"/>
+    </dgm:txFillClrLst>
+    <dgm:txEffectClrLst/>
+  </dgm:styleLbl>
+  <dgm:styleLbl name="solidFgAcc1">
+    <dgm:fillClrLst meth="repeat">
+      <a:schemeClr val="lt1"/>
+    </dgm:fillClrLst>
+    <dgm:linClrLst meth="repeat">
+      <a:schemeClr val="accent2"/>
+      <a:schemeClr val="accent3"/>
+      <a:schemeClr val="accent4"/>
+      <a:schemeClr val="accent5"/>
+      <a:schemeClr val="accent6"/>
+    </dgm:linClrLst>
+    <dgm:effectClrLst/>
+    <dgm:txLinClrLst/>
+    <dgm:txFillClrLst meth="repeat">
+      <a:schemeClr val="dk1"/>
+    </dgm:txFillClrLst>
+    <dgm:txEffectClrLst/>
+  </dgm:styleLbl>
+  <dgm:styleLbl name="solidAlignAcc1">
+    <dgm:fillClrLst meth="repeat">
+      <a:schemeClr val="lt1"/>
+    </dgm:fillClrLst>
+    <dgm:linClrLst meth="repeat">
+      <a:schemeClr val="accent2"/>
+      <a:schemeClr val="accent3"/>
+      <a:schemeClr val="accent4"/>
+      <a:schemeClr val="accent5"/>
+      <a:schemeClr val="accent6"/>
+    </dgm:linClrLst>
+    <dgm:effectClrLst/>
+    <dgm:txLinClrLst/>
+    <dgm:txFillClrLst meth="repeat">
+      <a:schemeClr val="dk1"/>
+    </dgm:txFillClrLst>
+    <dgm:txEffectClrLst/>
+  </dgm:styleLbl>
+  <dgm:styleLbl name="solidBgAcc1">
+    <dgm:fillClrLst meth="repeat">
+      <a:schemeClr val="lt1"/>
+    </dgm:fillClrLst>
+    <dgm:linClrLst meth="repeat">
+      <a:schemeClr val="accent2"/>
+      <a:schemeClr val="accent3"/>
+      <a:schemeClr val="accent4"/>
+      <a:schemeClr val="accent5"/>
+      <a:schemeClr val="accent6"/>
+    </dgm:linClrLst>
+    <dgm:effectClrLst/>
+    <dgm:txLinClrLst/>
+    <dgm:txFillClrLst meth="repeat">
+      <a:schemeClr val="dk1"/>
+    </dgm:txFillClrLst>
+    <dgm:txEffectClrLst/>
+  </dgm:styleLbl>
+  <dgm:styleLbl name="fgAccFollowNode1">
+    <dgm:fillClrLst meth="repeat">
+      <a:schemeClr val="accent2">
+        <a:tint val="40000"/>
+        <a:alpha val="90000"/>
+      </a:schemeClr>
+      <a:schemeClr val="accent3">
+        <a:tint val="40000"/>
+        <a:alpha val="90000"/>
+      </a:schemeClr>
+      <a:schemeClr val="accent4">
+        <a:tint val="40000"/>
+        <a:alpha val="90000"/>
+      </a:schemeClr>
+      <a:schemeClr val="accent5">
+        <a:tint val="40000"/>
+        <a:alpha val="90000"/>
+      </a:schemeClr>
+      <a:schemeClr val="accent6">
+        <a:tint val="40000"/>
+        <a:alpha val="90000"/>
+      </a:schemeClr>
+    </dgm:fillClrLst>
+    <dgm:linClrLst meth="repeat">
+      <a:schemeClr val="accent2">
+        <a:tint val="40000"/>
+        <a:alpha val="90000"/>
+      </a:schemeClr>
+      <a:schemeClr val="accent3">
+        <a:tint val="40000"/>
+        <a:alpha val="90000"/>
+      </a:schemeClr>
+      <a:schemeClr val="accent4">
+        <a:tint val="40000"/>
+        <a:alpha val="90000"/>
+      </a:schemeClr>
+      <a:schemeClr val="accent5">
+        <a:tint val="40000"/>
+        <a:alpha val="90000"/>
+      </a:schemeClr>
+      <a:schemeClr val="accent6">
+        <a:tint val="40000"/>
+        <a:alpha val="90000"/>
+      </a:schemeClr>
+    </dgm:linClrLst>
+    <dgm:effectClrLst/>
+    <dgm:txLinClrLst/>
+    <dgm:txFillClrLst meth="repeat">
+      <a:schemeClr val="dk1"/>
+    </dgm:txFillClrLst>
+    <dgm:txEffectClrLst/>
+  </dgm:styleLbl>
+  <dgm:styleLbl name="alignAccFollowNode1">
+    <dgm:fillClrLst meth="repeat">
+      <a:schemeClr val="accent2">
+        <a:tint val="40000"/>
+        <a:alpha val="90000"/>
+      </a:schemeClr>
+      <a:schemeClr val="accent3">
+        <a:tint val="40000"/>
+        <a:alpha val="90000"/>
+      </a:schemeClr>
+      <a:schemeClr val="accent4">
+        <a:tint val="40000"/>
+        <a:alpha val="90000"/>
+      </a:schemeClr>
+      <a:schemeClr val="accent5">
+        <a:tint val="40000"/>
+        <a:alpha val="90000"/>
+      </a:schemeClr>
+      <a:schemeClr val="accent6">
+        <a:tint val="40000"/>
+        <a:alpha val="90000"/>
+      </a:schemeClr>
+    </dgm:fillClrLst>
+    <dgm:linClrLst meth="repeat">
+      <a:schemeClr val="accent2">
+        <a:tint val="40000"/>
+        <a:alpha val="90000"/>
+      </a:schemeClr>
+      <a:schemeClr val="accent3">
+        <a:tint val="40000"/>
+        <a:alpha val="90000"/>
+      </a:schemeClr>
+      <a:schemeClr val="accent4">
+        <a:tint val="40000"/>
+        <a:alpha val="90000"/>
+      </a:schemeClr>
+      <a:schemeClr val="accent5">
+        <a:tint val="40000"/>
+        <a:alpha val="90000"/>
+      </a:schemeClr>
+      <a:schemeClr val="accent6">
+        <a:tint val="40000"/>
+        <a:alpha val="90000"/>
+      </a:schemeClr>
+    </dgm:linClrLst>
+    <dgm:effectClrLst/>
+    <dgm:txLinClrLst/>
+    <dgm:txFillClrLst meth="repeat">
+      <a:schemeClr val="dk1"/>
+    </dgm:txFillClrLst>
+    <dgm:txEffectClrLst/>
+  </dgm:styleLbl>
+  <dgm:styleLbl name="bgAccFollowNode1">
+    <dgm:fillClrLst meth="repeat">
+      <a:schemeClr val="accent2">
+        <a:tint val="40000"/>
+        <a:alpha val="90000"/>
+      </a:schemeClr>
+      <a:schemeClr val="accent3">
+        <a:tint val="40000"/>
+        <a:alpha val="90000"/>
+      </a:schemeClr>
+      <a:schemeClr val="accent4">
+        <a:tint val="40000"/>
+        <a:alpha val="90000"/>
+      </a:schemeClr>
+      <a:schemeClr val="accent5">
+        <a:tint val="40000"/>
+        <a:alpha val="90000"/>
+      </a:schemeClr>
+      <a:schemeClr val="accent6">
+        <a:tint val="40000"/>
+        <a:alpha val="90000"/>
+      </a:schemeClr>
+    </dgm:fillClrLst>
+    <dgm:linClrLst meth="repeat">
+      <a:schemeClr val="accent2">
+        <a:tint val="40000"/>
+        <a:alpha val="90000"/>
+      </a:schemeClr>
+      <a:schemeClr val="accent3">
+        <a:tint val="40000"/>
+        <a:alpha val="90000"/>
+      </a:schemeClr>
+      <a:schemeClr val="accent4">
+        <a:tint val="40000"/>
+        <a:alpha val="90000"/>
+      </a:schemeClr>
+      <a:schemeClr val="accent5">
+        <a:tint val="40000"/>
+        <a:alpha val="90000"/>
+      </a:schemeClr>
+      <a:schemeClr val="accent6">
+        <a:tint val="40000"/>
+        <a:alpha val="90000"/>
+      </a:schemeClr>
+    </dgm:linClrLst>
+    <dgm:effectClrLst/>
+    <dgm:txLinClrLst/>
+    <dgm:txFillClrLst meth="repeat">
+      <a:schemeClr val="dk1"/>
+    </dgm:txFillClrLst>
+    <dgm:txEffectClrLst/>
+  </dgm:styleLbl>
+  <dgm:styleLbl name="fgAcc0">
+    <dgm:fillClrLst meth="repeat">
+      <a:schemeClr val="lt1">
+        <a:alpha val="90000"/>
+      </a:schemeClr>
+    </dgm:fillClrLst>
+    <dgm:linClrLst>
+      <a:schemeClr val="accent1"/>
+    </dgm:linClrLst>
+    <dgm:effectClrLst/>
+    <dgm:txLinClrLst/>
+    <dgm:txFillClrLst meth="repeat">
+      <a:schemeClr val="dk1"/>
+    </dgm:txFillClrLst>
+    <dgm:txEffectClrLst/>
+  </dgm:styleLbl>
+  <dgm:styleLbl name="fgAcc2">
+    <dgm:fillClrLst meth="repeat">
+      <a:schemeClr val="lt1">
+        <a:alpha val="90000"/>
+      </a:schemeClr>
+    </dgm:fillClrLst>
+    <dgm:linClrLst>
+      <a:schemeClr val="accent2"/>
+    </dgm:linClrLst>
+    <dgm:effectClrLst/>
+    <dgm:txLinClrLst/>
+    <dgm:txFillClrLst meth="repeat">
+      <a:schemeClr val="dk1"/>
+    </dgm:txFillClrLst>
+    <dgm:txEffectClrLst/>
+  </dgm:styleLbl>
+  <dgm:styleLbl name="fgAcc3">
+    <dgm:fillClrLst meth="repeat">
+      <a:schemeClr val="lt1">
+        <a:alpha val="90000"/>
+      </a:schemeClr>
+    </dgm:fillClrLst>
+    <dgm:linClrLst>
+      <a:schemeClr val="accent3"/>
+    </dgm:linClrLst>
+    <dgm:effectClrLst/>
+    <dgm:txLinClrLst/>
+    <dgm:txFillClrLst meth="repeat">
+      <a:schemeClr val="dk1"/>
+    </dgm:txFillClrLst>
+    <dgm:txEffectClrLst/>
+  </dgm:styleLbl>
+  <dgm:styleLbl name="fgAcc4">
+    <dgm:fillClrLst meth="repeat">
+      <a:schemeClr val="lt1">
+        <a:alpha val="90000"/>
+      </a:schemeClr>
+    </dgm:fillClrLst>
+    <dgm:linClrLst>
+      <a:schemeClr val="accent4"/>
+    </dgm:linClrLst>
+    <dgm:effectClrLst/>
+    <dgm:txLinClrLst/>
+    <dgm:txFillClrLst meth="repeat">
+      <a:schemeClr val="dk1"/>
+    </dgm:txFillClrLst>
+    <dgm:txEffectClrLst/>
+  </dgm:styleLbl>
+  <dgm:styleLbl name="bgShp">
+    <dgm:fillClrLst meth="repeat">
+      <a:schemeClr val="accent2">
+        <a:tint val="40000"/>
+      </a:schemeClr>
+    </dgm:fillClrLst>
+    <dgm:linClrLst meth="repeat">
+      <a:schemeClr val="dk1"/>
+    </dgm:linClrLst>
+    <dgm:effectClrLst/>
+    <dgm:txLinClrLst/>
+    <dgm:txFillClrLst meth="repeat">
+      <a:schemeClr val="dk1"/>
+    </dgm:txFillClrLst>
+    <dgm:txEffectClrLst/>
+  </dgm:styleLbl>
+  <dgm:styleLbl name="dkBgShp">
+    <dgm:fillClrLst meth="repeat">
+      <a:schemeClr val="accent2">
+        <a:shade val="90000"/>
+      </a:schemeClr>
+    </dgm:fillClrLst>
+    <dgm:linClrLst meth="repeat">
+      <a:schemeClr val="dk1"/>
+    </dgm:linClrLst>
+    <dgm:effectClrLst/>
+    <dgm:txLinClrLst/>
+    <dgm:txFillClrLst meth="repeat">
+      <a:schemeClr val="lt1"/>
+    </dgm:txFillClrLst>
+    <dgm:txEffectClrLst/>
+  </dgm:styleLbl>
+  <dgm:styleLbl name="trBgShp">
+    <dgm:fillClrLst meth="repeat">
+      <a:schemeClr val="accent1">
+        <a:tint val="50000"/>
+        <a:alpha val="40000"/>
+      </a:schemeClr>
+    </dgm:fillClrLst>
+    <dgm:linClrLst meth="repeat">
+      <a:schemeClr val="accent2"/>
+    </dgm:linClrLst>
+    <dgm:effectClrLst/>
+    <dgm:txLinClrLst/>
+    <dgm:txFillClrLst meth="repeat">
+      <a:schemeClr val="lt1"/>
+    </dgm:txFillClrLst>
+    <dgm:txEffectClrLst/>
+  </dgm:styleLbl>
+  <dgm:styleLbl name="fgShp">
+    <dgm:fillClrLst meth="repeat">
+      <a:schemeClr val="accent2">
+        <a:tint val="40000"/>
+      </a:schemeClr>
+    </dgm:fillClrLst>
+    <dgm:linClrLst meth="repeat">
+      <a:schemeClr val="lt1"/>
+    </dgm:linClrLst>
+    <dgm:effectClrLst/>
+    <dgm:txLinClrLst/>
+    <dgm:txFillClrLst meth="repeat">
+      <a:schemeClr val="dk1"/>
+    </dgm:txFillClrLst>
+    <dgm:txEffectClrLst/>
+  </dgm:styleLbl>
+  <dgm:styleLbl name="revTx">
+    <dgm:fillClrLst meth="repeat">
+      <a:schemeClr val="lt1">
+        <a:alpha val="0"/>
+      </a:schemeClr>
+    </dgm:fillClrLst>
+    <dgm:linClrLst meth="repeat">
+      <a:schemeClr val="dk1">
+        <a:alpha val="0"/>
+      </a:schemeClr>
+    </dgm:linClrLst>
+    <dgm:effectClrLst/>
+    <dgm:txLinClrLst/>
+    <dgm:txFillClrLst meth="repeat">
+      <a:schemeClr val="tx1"/>
+    </dgm:txFillClrLst>
+    <dgm:txEffectClrLst/>
+  </dgm:styleLbl>
+</dgm:colorsDef>
+</file>
+
+<file path=ppt/diagrams/data1.xml><?xml version="1.0" encoding="utf-8"?>
+<dgm:dataModel xmlns:dgm="http://schemas.openxmlformats.org/drawingml/2006/diagram" xmlns:a="http://schemas.openxmlformats.org/drawingml/2006/main">
+  <dgm:ptLst>
+    <dgm:pt modelId="{6127089E-F47C-46C7-A4A0-DA8BB488FAD9}" type="doc">
+      <dgm:prSet loTypeId="urn:microsoft.com/office/officeart/2016/7/layout/HorizontalActionList" loCatId="List" qsTypeId="urn:microsoft.com/office/officeart/2005/8/quickstyle/simple4" qsCatId="simple" csTypeId="urn:microsoft.com/office/officeart/2005/8/colors/colorful1" csCatId="colorful"/>
+      <dgm:spPr/>
+      <dgm:t>
+        <a:bodyPr/>
+        <a:lstStyle/>
+        <a:p>
+          <a:endParaRPr lang="en-US"/>
+        </a:p>
+      </dgm:t>
+    </dgm:pt>
+    <dgm:pt modelId="{F38F7588-69A2-4813-A5DA-4F0D3A7F83C3}">
+      <dgm:prSet/>
+      <dgm:spPr/>
+      <dgm:t>
+        <a:bodyPr/>
+        <a:lstStyle/>
+        <a:p>
+          <a:r>
+            <a:rPr lang="en-US"/>
+            <a:t>Apple Siri</a:t>
+          </a:r>
+        </a:p>
+      </dgm:t>
+    </dgm:pt>
+    <dgm:pt modelId="{44569EDC-8B6E-42D5-82ED-E9CB3FC9DA9A}" type="parTrans" cxnId="{8DB23478-3640-45FB-90BE-17337C8081F5}">
+      <dgm:prSet/>
+      <dgm:spPr/>
+      <dgm:t>
+        <a:bodyPr/>
+        <a:lstStyle/>
+        <a:p>
+          <a:endParaRPr lang="en-US"/>
+        </a:p>
+      </dgm:t>
+    </dgm:pt>
+    <dgm:pt modelId="{10819C03-5C23-45F3-BD1D-19285FEF7F73}" type="sibTrans" cxnId="{8DB23478-3640-45FB-90BE-17337C8081F5}">
+      <dgm:prSet/>
+      <dgm:spPr/>
+      <dgm:t>
+        <a:bodyPr/>
+        <a:lstStyle/>
+        <a:p>
+          <a:endParaRPr lang="en-US"/>
+        </a:p>
+      </dgm:t>
+    </dgm:pt>
+    <dgm:pt modelId="{E605BAD6-DDEB-4321-AAA9-3F4B058CB09E}">
+      <dgm:prSet/>
+      <dgm:spPr/>
+      <dgm:t>
+        <a:bodyPr/>
+        <a:lstStyle/>
+        <a:p>
+          <a:r>
+            <a:rPr lang="en-US"/>
+            <a:t>Amazon Alexa</a:t>
+          </a:r>
+        </a:p>
+      </dgm:t>
+    </dgm:pt>
+    <dgm:pt modelId="{45829CEC-8247-488F-BE54-1D745D04DCD0}" type="parTrans" cxnId="{A0737FB0-FC5E-4D43-96E8-43F2FC328F3A}">
+      <dgm:prSet/>
+      <dgm:spPr/>
+      <dgm:t>
+        <a:bodyPr/>
+        <a:lstStyle/>
+        <a:p>
+          <a:endParaRPr lang="en-US"/>
+        </a:p>
+      </dgm:t>
+    </dgm:pt>
+    <dgm:pt modelId="{FF174B82-61BB-4B32-99B1-844A7C93C86D}" type="sibTrans" cxnId="{A0737FB0-FC5E-4D43-96E8-43F2FC328F3A}">
+      <dgm:prSet/>
+      <dgm:spPr/>
+      <dgm:t>
+        <a:bodyPr/>
+        <a:lstStyle/>
+        <a:p>
+          <a:endParaRPr lang="en-US"/>
+        </a:p>
+      </dgm:t>
+    </dgm:pt>
+    <dgm:pt modelId="{DB648FE8-3535-4B0F-807B-01CE8AA74EEB}" type="pres">
+      <dgm:prSet presAssocID="{6127089E-F47C-46C7-A4A0-DA8BB488FAD9}" presName="Name0" presStyleCnt="0">
+        <dgm:presLayoutVars>
+          <dgm:dir/>
+          <dgm:animLvl val="lvl"/>
+          <dgm:resizeHandles val="exact"/>
+        </dgm:presLayoutVars>
+      </dgm:prSet>
+      <dgm:spPr/>
+    </dgm:pt>
+    <dgm:pt modelId="{F5CBB3C7-686D-41FE-A394-8C29AE8CCEB8}" type="pres">
+      <dgm:prSet presAssocID="{F38F7588-69A2-4813-A5DA-4F0D3A7F83C3}" presName="composite" presStyleCnt="0"/>
+      <dgm:spPr/>
+    </dgm:pt>
+    <dgm:pt modelId="{082D1F3D-4A24-419B-A92F-300957C3EF03}" type="pres">
+      <dgm:prSet presAssocID="{F38F7588-69A2-4813-A5DA-4F0D3A7F83C3}" presName="parTx" presStyleLbl="alignNode1" presStyleIdx="0" presStyleCnt="2">
+        <dgm:presLayoutVars>
+          <dgm:chMax val="0"/>
+          <dgm:chPref val="0"/>
+        </dgm:presLayoutVars>
+      </dgm:prSet>
+      <dgm:spPr/>
+    </dgm:pt>
+    <dgm:pt modelId="{8DDF94D7-05BD-465F-8783-132353DCCF88}" type="pres">
+      <dgm:prSet presAssocID="{F38F7588-69A2-4813-A5DA-4F0D3A7F83C3}" presName="desTx" presStyleLbl="alignAccFollowNode1" presStyleIdx="0" presStyleCnt="2">
+        <dgm:presLayoutVars/>
+      </dgm:prSet>
+      <dgm:spPr/>
+    </dgm:pt>
+    <dgm:pt modelId="{BFA2A819-87B7-4632-8DCD-1B25ECF1F232}" type="pres">
+      <dgm:prSet presAssocID="{10819C03-5C23-45F3-BD1D-19285FEF7F73}" presName="space" presStyleCnt="0"/>
+      <dgm:spPr/>
+    </dgm:pt>
+    <dgm:pt modelId="{0BA6AD23-40FF-49AB-990A-C95CF6E241EB}" type="pres">
+      <dgm:prSet presAssocID="{E605BAD6-DDEB-4321-AAA9-3F4B058CB09E}" presName="composite" presStyleCnt="0"/>
+      <dgm:spPr/>
+    </dgm:pt>
+    <dgm:pt modelId="{472C3CA0-2B2E-410A-BAD3-F13996BC320C}" type="pres">
+      <dgm:prSet presAssocID="{E605BAD6-DDEB-4321-AAA9-3F4B058CB09E}" presName="parTx" presStyleLbl="alignNode1" presStyleIdx="1" presStyleCnt="2">
+        <dgm:presLayoutVars>
+          <dgm:chMax val="0"/>
+          <dgm:chPref val="0"/>
+        </dgm:presLayoutVars>
+      </dgm:prSet>
+      <dgm:spPr/>
+    </dgm:pt>
+    <dgm:pt modelId="{4F2CBEB2-CF2C-4646-B824-80611212A028}" type="pres">
+      <dgm:prSet presAssocID="{E605BAD6-DDEB-4321-AAA9-3F4B058CB09E}" presName="desTx" presStyleLbl="alignAccFollowNode1" presStyleIdx="1" presStyleCnt="2">
+        <dgm:presLayoutVars/>
+      </dgm:prSet>
+      <dgm:spPr/>
+    </dgm:pt>
+  </dgm:ptLst>
+  <dgm:cxnLst>
+    <dgm:cxn modelId="{9FB6ED0F-504D-41FA-8D98-97B18FD9848E}" type="presOf" srcId="{6127089E-F47C-46C7-A4A0-DA8BB488FAD9}" destId="{DB648FE8-3535-4B0F-807B-01CE8AA74EEB}" srcOrd="0" destOrd="0" presId="urn:microsoft.com/office/officeart/2016/7/layout/HorizontalActionList"/>
+    <dgm:cxn modelId="{490EDF55-EC00-489D-90A6-412C1D246929}" type="presOf" srcId="{F38F7588-69A2-4813-A5DA-4F0D3A7F83C3}" destId="{082D1F3D-4A24-419B-A92F-300957C3EF03}" srcOrd="0" destOrd="0" presId="urn:microsoft.com/office/officeart/2016/7/layout/HorizontalActionList"/>
+    <dgm:cxn modelId="{8DB23478-3640-45FB-90BE-17337C8081F5}" srcId="{6127089E-F47C-46C7-A4A0-DA8BB488FAD9}" destId="{F38F7588-69A2-4813-A5DA-4F0D3A7F83C3}" srcOrd="0" destOrd="0" parTransId="{44569EDC-8B6E-42D5-82ED-E9CB3FC9DA9A}" sibTransId="{10819C03-5C23-45F3-BD1D-19285FEF7F73}"/>
+    <dgm:cxn modelId="{A0737FB0-FC5E-4D43-96E8-43F2FC328F3A}" srcId="{6127089E-F47C-46C7-A4A0-DA8BB488FAD9}" destId="{E605BAD6-DDEB-4321-AAA9-3F4B058CB09E}" srcOrd="1" destOrd="0" parTransId="{45829CEC-8247-488F-BE54-1D745D04DCD0}" sibTransId="{FF174B82-61BB-4B32-99B1-844A7C93C86D}"/>
+    <dgm:cxn modelId="{BEBAF7D8-B4C2-4A68-9590-2E3ABCE95098}" type="presOf" srcId="{E605BAD6-DDEB-4321-AAA9-3F4B058CB09E}" destId="{472C3CA0-2B2E-410A-BAD3-F13996BC320C}" srcOrd="0" destOrd="0" presId="urn:microsoft.com/office/officeart/2016/7/layout/HorizontalActionList"/>
+    <dgm:cxn modelId="{C1BF8ADC-12CD-42A2-9F9A-EF0C34D966D0}" type="presParOf" srcId="{DB648FE8-3535-4B0F-807B-01CE8AA74EEB}" destId="{F5CBB3C7-686D-41FE-A394-8C29AE8CCEB8}" srcOrd="0" destOrd="0" presId="urn:microsoft.com/office/officeart/2016/7/layout/HorizontalActionList"/>
+    <dgm:cxn modelId="{C831B4B1-7D6D-459C-B4A1-786F0A5D9CCA}" type="presParOf" srcId="{F5CBB3C7-686D-41FE-A394-8C29AE8CCEB8}" destId="{082D1F3D-4A24-419B-A92F-300957C3EF03}" srcOrd="0" destOrd="0" presId="urn:microsoft.com/office/officeart/2016/7/layout/HorizontalActionList"/>
+    <dgm:cxn modelId="{B394DDE2-EF6A-406F-8158-3C0596A95486}" type="presParOf" srcId="{F5CBB3C7-686D-41FE-A394-8C29AE8CCEB8}" destId="{8DDF94D7-05BD-465F-8783-132353DCCF88}" srcOrd="1" destOrd="0" presId="urn:microsoft.com/office/officeart/2016/7/layout/HorizontalActionList"/>
+    <dgm:cxn modelId="{26155A16-7225-458E-84AC-04575EC32612}" type="presParOf" srcId="{DB648FE8-3535-4B0F-807B-01CE8AA74EEB}" destId="{BFA2A819-87B7-4632-8DCD-1B25ECF1F232}" srcOrd="1" destOrd="0" presId="urn:microsoft.com/office/officeart/2016/7/layout/HorizontalActionList"/>
+    <dgm:cxn modelId="{35408C7E-2DCD-4C30-A068-BA0583B39B0E}" type="presParOf" srcId="{DB648FE8-3535-4B0F-807B-01CE8AA74EEB}" destId="{0BA6AD23-40FF-49AB-990A-C95CF6E241EB}" srcOrd="2" destOrd="0" presId="urn:microsoft.com/office/officeart/2016/7/layout/HorizontalActionList"/>
+    <dgm:cxn modelId="{0152C410-F2DF-4157-9D3D-2CF22C9376B6}" type="presParOf" srcId="{0BA6AD23-40FF-49AB-990A-C95CF6E241EB}" destId="{472C3CA0-2B2E-410A-BAD3-F13996BC320C}" srcOrd="0" destOrd="0" presId="urn:microsoft.com/office/officeart/2016/7/layout/HorizontalActionList"/>
+    <dgm:cxn modelId="{0E795372-DDEE-4C3E-B40A-17A984A5CBB7}" type="presParOf" srcId="{0BA6AD23-40FF-49AB-990A-C95CF6E241EB}" destId="{4F2CBEB2-CF2C-4646-B824-80611212A028}" srcOrd="1" destOrd="0" presId="urn:microsoft.com/office/officeart/2016/7/layout/HorizontalActionList"/>
+  </dgm:cxnLst>
+  <dgm:bg/>
+  <dgm:whole/>
+  <dgm:extLst>
+    <a:ext uri="http://schemas.microsoft.com/office/drawing/2008/diagram">
+      <dsp:dataModelExt xmlns:dsp="http://schemas.microsoft.com/office/drawing/2008/diagram" relId="rId8" minVer="http://schemas.openxmlformats.org/drawingml/2006/diagram"/>
+    </a:ext>
+  </dgm:extLst>
+</dgm:dataModel>
+</file>
+
+<file path=ppt/diagrams/drawing1.xml><?xml version="1.0" encoding="utf-8"?>
+<dsp:drawing xmlns:dgm="http://schemas.openxmlformats.org/drawingml/2006/diagram" xmlns:dsp="http://schemas.microsoft.com/office/drawing/2008/diagram" xmlns:a="http://schemas.openxmlformats.org/drawingml/2006/main">
+  <dsp:spTree>
+    <dsp:nvGrpSpPr>
+      <dsp:cNvPr id="0" name=""/>
+      <dsp:cNvGrpSpPr/>
+    </dsp:nvGrpSpPr>
+    <dsp:grpSpPr/>
+    <dsp:sp modelId="{082D1F3D-4A24-419B-A92F-300957C3EF03}">
+      <dsp:nvSpPr>
+        <dsp:cNvPr id="0" name=""/>
+        <dsp:cNvSpPr/>
+      </dsp:nvSpPr>
+      <dsp:spPr>
+        <a:xfrm>
+          <a:off x="6338" y="556561"/>
+          <a:ext cx="5088728" cy="1526618"/>
+        </a:xfrm>
+        <a:prstGeom prst="rect">
+          <a:avLst/>
+        </a:prstGeom>
+        <a:gradFill rotWithShape="0">
+          <a:gsLst>
+            <a:gs pos="0">
+              <a:schemeClr val="accent2">
+                <a:hueOff val="0"/>
+                <a:satOff val="0"/>
+                <a:lumOff val="0"/>
+                <a:alphaOff val="0"/>
+                <a:tint val="97000"/>
+                <a:satMod val="100000"/>
+                <a:lumMod val="102000"/>
+              </a:schemeClr>
+            </a:gs>
+            <a:gs pos="50000">
+              <a:schemeClr val="accent2">
+                <a:hueOff val="0"/>
+                <a:satOff val="0"/>
+                <a:lumOff val="0"/>
+                <a:alphaOff val="0"/>
+                <a:shade val="100000"/>
+                <a:satMod val="103000"/>
+                <a:lumMod val="100000"/>
+              </a:schemeClr>
+            </a:gs>
+            <a:gs pos="100000">
+              <a:schemeClr val="accent2">
+                <a:hueOff val="0"/>
+                <a:satOff val="0"/>
+                <a:lumOff val="0"/>
+                <a:alphaOff val="0"/>
+                <a:shade val="93000"/>
+                <a:satMod val="110000"/>
+                <a:lumMod val="99000"/>
+              </a:schemeClr>
+            </a:gs>
+          </a:gsLst>
+          <a:lin ang="5400000" scaled="0"/>
+        </a:gradFill>
+        <a:ln w="6350" cap="flat" cmpd="sng" algn="ctr">
+          <a:solidFill>
+            <a:schemeClr val="accent2">
+              <a:hueOff val="0"/>
+              <a:satOff val="0"/>
+              <a:lumOff val="0"/>
+              <a:alphaOff val="0"/>
+            </a:schemeClr>
+          </a:solidFill>
+          <a:prstDash val="solid"/>
+        </a:ln>
+        <a:effectLst/>
+      </dsp:spPr>
+      <dsp:style>
+        <a:lnRef idx="1">
+          <a:scrgbClr r="0" g="0" b="0"/>
+        </a:lnRef>
+        <a:fillRef idx="3">
+          <a:scrgbClr r="0" g="0" b="0"/>
+        </a:fillRef>
+        <a:effectRef idx="2">
+          <a:scrgbClr r="0" g="0" b="0"/>
+        </a:effectRef>
+        <a:fontRef idx="minor">
+          <a:schemeClr val="lt1"/>
+        </a:fontRef>
+      </dsp:style>
+      <dsp:txBody>
+        <a:bodyPr spcFirstLastPara="0" vert="horz" wrap="square" lIns="402123" tIns="402123" rIns="402123" bIns="402123" numCol="1" spcCol="1270" anchor="ctr" anchorCtr="0">
+          <a:noAutofit/>
+        </a:bodyPr>
+        <a:lstStyle/>
+        <a:p>
+          <a:pPr marL="0" lvl="0" indent="0" algn="ctr" defTabSz="2400300">
+            <a:lnSpc>
+              <a:spcPct val="90000"/>
+            </a:lnSpc>
+            <a:spcBef>
+              <a:spcPct val="0"/>
+            </a:spcBef>
+            <a:spcAft>
+              <a:spcPct val="35000"/>
+            </a:spcAft>
+            <a:buNone/>
+          </a:pPr>
+          <a:r>
+            <a:rPr lang="en-US" sz="5400" kern="1200"/>
+            <a:t>Apple Siri</a:t>
+          </a:r>
+        </a:p>
+      </dsp:txBody>
+      <dsp:txXfrm>
+        <a:off x="6338" y="556561"/>
+        <a:ext cx="5088728" cy="1526618"/>
+      </dsp:txXfrm>
+    </dsp:sp>
+    <dsp:sp modelId="{8DDF94D7-05BD-465F-8783-132353DCCF88}">
+      <dsp:nvSpPr>
+        <dsp:cNvPr id="0" name=""/>
+        <dsp:cNvSpPr/>
+      </dsp:nvSpPr>
+      <dsp:spPr>
+        <a:xfrm>
+          <a:off x="6338" y="2083180"/>
+          <a:ext cx="5088728" cy="143066"/>
+        </a:xfrm>
+        <a:prstGeom prst="rect">
+          <a:avLst/>
+        </a:prstGeom>
+        <a:solidFill>
+          <a:schemeClr val="accent2">
+            <a:tint val="40000"/>
+            <a:alpha val="90000"/>
+            <a:hueOff val="0"/>
+            <a:satOff val="0"/>
+            <a:lumOff val="0"/>
+            <a:alphaOff val="0"/>
+          </a:schemeClr>
+        </a:solidFill>
+        <a:ln w="6350" cap="flat" cmpd="sng" algn="ctr">
+          <a:solidFill>
+            <a:schemeClr val="accent2">
+              <a:tint val="40000"/>
+              <a:alpha val="90000"/>
+              <a:hueOff val="0"/>
+              <a:satOff val="0"/>
+              <a:lumOff val="0"/>
+              <a:alphaOff val="0"/>
+            </a:schemeClr>
+          </a:solidFill>
+          <a:prstDash val="solid"/>
+        </a:ln>
+        <a:effectLst/>
+      </dsp:spPr>
+      <dsp:style>
+        <a:lnRef idx="1">
+          <a:scrgbClr r="0" g="0" b="0"/>
+        </a:lnRef>
+        <a:fillRef idx="1">
+          <a:scrgbClr r="0" g="0" b="0"/>
+        </a:fillRef>
+        <a:effectRef idx="0">
+          <a:scrgbClr r="0" g="0" b="0"/>
+        </a:effectRef>
+        <a:fontRef idx="minor"/>
+      </dsp:style>
+    </dsp:sp>
+    <dsp:sp modelId="{472C3CA0-2B2E-410A-BAD3-F13996BC320C}">
+      <dsp:nvSpPr>
+        <dsp:cNvPr id="0" name=""/>
+        <dsp:cNvSpPr/>
+      </dsp:nvSpPr>
+      <dsp:spPr>
+        <a:xfrm>
+          <a:off x="5202962" y="556561"/>
+          <a:ext cx="5088728" cy="1526618"/>
+        </a:xfrm>
+        <a:prstGeom prst="rect">
+          <a:avLst/>
+        </a:prstGeom>
+        <a:gradFill rotWithShape="0">
+          <a:gsLst>
+            <a:gs pos="0">
+              <a:schemeClr val="accent3">
+                <a:hueOff val="0"/>
+                <a:satOff val="0"/>
+                <a:lumOff val="0"/>
+                <a:alphaOff val="0"/>
+                <a:tint val="97000"/>
+                <a:satMod val="100000"/>
+                <a:lumMod val="102000"/>
+              </a:schemeClr>
+            </a:gs>
+            <a:gs pos="50000">
+              <a:schemeClr val="accent3">
+                <a:hueOff val="0"/>
+                <a:satOff val="0"/>
+                <a:lumOff val="0"/>
+                <a:alphaOff val="0"/>
+                <a:shade val="100000"/>
+                <a:satMod val="103000"/>
+                <a:lumMod val="100000"/>
+              </a:schemeClr>
+            </a:gs>
+            <a:gs pos="100000">
+              <a:schemeClr val="accent3">
+                <a:hueOff val="0"/>
+                <a:satOff val="0"/>
+                <a:lumOff val="0"/>
+                <a:alphaOff val="0"/>
+                <a:shade val="93000"/>
+                <a:satMod val="110000"/>
+                <a:lumMod val="99000"/>
+              </a:schemeClr>
+            </a:gs>
+          </a:gsLst>
+          <a:lin ang="5400000" scaled="0"/>
+        </a:gradFill>
+        <a:ln w="6350" cap="flat" cmpd="sng" algn="ctr">
+          <a:solidFill>
+            <a:schemeClr val="accent3">
+              <a:hueOff val="0"/>
+              <a:satOff val="0"/>
+              <a:lumOff val="0"/>
+              <a:alphaOff val="0"/>
+            </a:schemeClr>
+          </a:solidFill>
+          <a:prstDash val="solid"/>
+        </a:ln>
+        <a:effectLst/>
+      </dsp:spPr>
+      <dsp:style>
+        <a:lnRef idx="1">
+          <a:scrgbClr r="0" g="0" b="0"/>
+        </a:lnRef>
+        <a:fillRef idx="3">
+          <a:scrgbClr r="0" g="0" b="0"/>
+        </a:fillRef>
+        <a:effectRef idx="2">
+          <a:scrgbClr r="0" g="0" b="0"/>
+        </a:effectRef>
+        <a:fontRef idx="minor">
+          <a:schemeClr val="lt1"/>
+        </a:fontRef>
+      </dsp:style>
+      <dsp:txBody>
+        <a:bodyPr spcFirstLastPara="0" vert="horz" wrap="square" lIns="402123" tIns="402123" rIns="402123" bIns="402123" numCol="1" spcCol="1270" anchor="ctr" anchorCtr="0">
+          <a:noAutofit/>
+        </a:bodyPr>
+        <a:lstStyle/>
+        <a:p>
+          <a:pPr marL="0" lvl="0" indent="0" algn="ctr" defTabSz="2400300">
+            <a:lnSpc>
+              <a:spcPct val="90000"/>
+            </a:lnSpc>
+            <a:spcBef>
+              <a:spcPct val="0"/>
+            </a:spcBef>
+            <a:spcAft>
+              <a:spcPct val="35000"/>
+            </a:spcAft>
+            <a:buNone/>
+          </a:pPr>
+          <a:r>
+            <a:rPr lang="en-US" sz="5400" kern="1200"/>
+            <a:t>Amazon Alexa</a:t>
+          </a:r>
+        </a:p>
+      </dsp:txBody>
+      <dsp:txXfrm>
+        <a:off x="5202962" y="556561"/>
+        <a:ext cx="5088728" cy="1526618"/>
+      </dsp:txXfrm>
+    </dsp:sp>
+    <dsp:sp modelId="{4F2CBEB2-CF2C-4646-B824-80611212A028}">
+      <dsp:nvSpPr>
+        <dsp:cNvPr id="0" name=""/>
+        <dsp:cNvSpPr/>
+      </dsp:nvSpPr>
+      <dsp:spPr>
+        <a:xfrm>
+          <a:off x="5202962" y="2083180"/>
+          <a:ext cx="5088728" cy="143066"/>
+        </a:xfrm>
+        <a:prstGeom prst="rect">
+          <a:avLst/>
+        </a:prstGeom>
+        <a:solidFill>
+          <a:schemeClr val="accent3">
+            <a:tint val="40000"/>
+            <a:alpha val="90000"/>
+            <a:hueOff val="0"/>
+            <a:satOff val="0"/>
+            <a:lumOff val="0"/>
+            <a:alphaOff val="0"/>
+          </a:schemeClr>
+        </a:solidFill>
+        <a:ln w="6350" cap="flat" cmpd="sng" algn="ctr">
+          <a:solidFill>
+            <a:schemeClr val="accent3">
+              <a:tint val="40000"/>
+              <a:alpha val="90000"/>
+              <a:hueOff val="0"/>
+              <a:satOff val="0"/>
+              <a:lumOff val="0"/>
+              <a:alphaOff val="0"/>
+            </a:schemeClr>
+          </a:solidFill>
+          <a:prstDash val="solid"/>
+        </a:ln>
+        <a:effectLst/>
+      </dsp:spPr>
+      <dsp:style>
+        <a:lnRef idx="1">
+          <a:scrgbClr r="0" g="0" b="0"/>
+        </a:lnRef>
+        <a:fillRef idx="1">
+          <a:scrgbClr r="0" g="0" b="0"/>
+        </a:fillRef>
+        <a:effectRef idx="0">
+          <a:scrgbClr r="0" g="0" b="0"/>
+        </a:effectRef>
+        <a:fontRef idx="minor"/>
+      </dsp:style>
+    </dsp:sp>
+  </dsp:spTree>
+</dsp:drawing>
+</file>
+
+<file path=ppt/diagrams/layout1.xml><?xml version="1.0" encoding="utf-8"?>
+<dgm:layoutDef xmlns:dgm="http://schemas.openxmlformats.org/drawingml/2006/diagram" xmlns:a="http://schemas.openxmlformats.org/drawingml/2006/main" uniqueId="urn:microsoft.com/office/officeart/2016/7/layout/HorizontalActionList">
+  <dgm:title val="Horizontal Action List"/>
+  <dgm:desc val="Used to show non-sequential or grouped lists of information. Works well with large amounts of text. All text has the same level of emphasis, and direction is not implied."/>
+  <dgm:catLst>
+    <dgm:cat type="list" pri="500"/>
+  </dgm:catLst>
+  <dgm:sampData useDef="1">
+    <dgm:dataModel>
+      <dgm:ptLst/>
+      <dgm:bg/>
+      <dgm:whole/>
+    </dgm:dataModel>
+  </dgm:sampData>
+  <dgm:styleData>
+    <dgm:dataModel>
+      <dgm:ptLst>
+        <dgm:pt modelId="0" type="doc"/>
+        <dgm:pt modelId="1"/>
+        <dgm:pt modelId="2"/>
+      </dgm:ptLst>
+      <dgm:cxnLst>
+        <dgm:cxn modelId="3" srcId="0" destId="1" srcOrd="0" destOrd="0"/>
+        <dgm:cxn modelId="4" srcId="0" destId="2" srcOrd="1" destOrd="0"/>
+      </dgm:cxnLst>
+      <dgm:bg/>
+      <dgm:whole/>
+    </dgm:dataModel>
+  </dgm:styleData>
+  <dgm:clrData>
+    <dgm:dataModel>
+      <dgm:ptLst>
+        <dgm:pt modelId="0" type="doc"/>
+        <dgm:pt modelId="1"/>
+        <dgm:pt modelId="2"/>
+        <dgm:pt modelId="3"/>
+        <dgm:pt modelId="4"/>
+      </dgm:ptLst>
+      <dgm:cxnLst>
+        <dgm:cxn modelId="5" srcId="0" destId="1" srcOrd="0" destOrd="0"/>
+        <dgm:cxn modelId="6" srcId="0" destId="2" srcOrd="1" destOrd="0"/>
+        <dgm:cxn modelId="7" srcId="0" destId="3" srcOrd="2" destOrd="0"/>
+        <dgm:cxn modelId="8" srcId="0" destId="4" srcOrd="3" destOrd="0"/>
+      </dgm:cxnLst>
+      <dgm:bg/>
+      <dgm:whole/>
+    </dgm:dataModel>
+  </dgm:clrData>
+  <dgm:layoutNode name="Name0">
+    <dgm:varLst>
+      <dgm:dir/>
+      <dgm:animLvl val="lvl"/>
+      <dgm:resizeHandles val="exact"/>
+    </dgm:varLst>
+    <dgm:choose name="Name1">
+      <dgm:if name="Name2" func="var" arg="dir" op="equ" val="norm">
+        <dgm:alg type="lin"/>
+      </dgm:if>
+      <dgm:else name="Name3">
+        <dgm:alg type="lin">
+          <dgm:param type="linDir" val="fromR"/>
+        </dgm:alg>
+      </dgm:else>
+    </dgm:choose>
+    <dgm:shape xmlns:r="http://schemas.openxmlformats.org/officeDocument/2006/relationships" r:blip="">
+      <dgm:adjLst/>
+    </dgm:shape>
+    <dgm:presOf/>
+    <dgm:constrLst>
+      <dgm:constr type="h" for="ch" forName="composite" refType="h" fact="0.6"/>
+      <dgm:constr type="h" for="des" forName="composite" op="equ"/>
+      <dgm:constr type="w" for="ch" forName="composite" refType="w"/>
+      <dgm:constr type="w" for="des" forName="parTx"/>
+      <dgm:constr type="h" for="des" forName="parTx" op="equ"/>
+      <dgm:constr type="w" for="des" forName="desTx"/>
+      <dgm:constr type="primFontSz" for="des" forName="parTx" val="54"/>
+      <dgm:constr type="primFontSz" for="des" forName="desTx" refType="primFontSz" refFor="des" refForName="parTx" op="lte" fact="0.75"/>
+      <dgm:constr type="h" for="des" forName="desTx" op="equ"/>
+      <dgm:constr type="w" for="ch" forName="space" op="equ" val="3"/>
+    </dgm:constrLst>
+    <dgm:ruleLst>
+      <dgm:rule type="w" for="ch" forName="composite" val="0" fact="NaN" max="NaN"/>
+    </dgm:ruleLst>
+    <dgm:forEach name="Name6" axis="ch" ptType="node">
+      <dgm:layoutNode name="composite">
+        <dgm:alg type="composite"/>
+        <dgm:shape xmlns:r="http://schemas.openxmlformats.org/officeDocument/2006/relationships" r:blip="">
+          <dgm:adjLst/>
+        </dgm:shape>
+        <dgm:presOf/>
+        <dgm:constrLst>
+          <dgm:constr type="l" for="ch" forName="parTx"/>
+          <dgm:constr type="w" for="ch" forName="parTx" refType="w"/>
+          <dgm:constr type="t" for="ch" forName="parTx"/>
+          <dgm:constr type="l" for="ch" forName="desTx"/>
+          <dgm:constr type="w" for="ch" forName="desTx" refType="w" refFor="ch" refForName="parTx"/>
+          <dgm:constr type="t" for="ch" forName="desTx" refType="h" refFor="ch" refForName="parTx"/>
+        </dgm:constrLst>
+        <dgm:ruleLst>
+          <dgm:rule type="h" val="INF" fact="NaN" max="NaN"/>
+        </dgm:ruleLst>
+        <dgm:layoutNode name="parTx" styleLbl="alignNode1">
+          <dgm:varLst>
+            <dgm:chMax val="0"/>
+            <dgm:chPref val="0"/>
+          </dgm:varLst>
+          <dgm:alg type="tx"/>
+          <dgm:shape xmlns:r="http://schemas.openxmlformats.org/officeDocument/2006/relationships" type="rect" r:blip="">
+            <dgm:adjLst/>
+          </dgm:shape>
+          <dgm:presOf axis="self" ptType="node"/>
+          <dgm:constrLst>
+            <dgm:constr type="h" refType="w" op="lte" fact="0.3"/>
+            <dgm:constr type="h"/>
+            <dgm:constr type="tMarg" refType="w" fact="0.224"/>
+            <dgm:constr type="bMarg" refType="w" fact="0.224"/>
+            <dgm:constr type="lMarg" refType="w" fact="0.224"/>
+            <dgm:constr type="rMarg" refType="w" fact="0.224"/>
+          </dgm:constrLst>
+          <dgm:ruleLst>
+            <dgm:rule type="h" val="INF" fact="NaN" max="NaN"/>
+            <dgm:rule type="primFontSz" val="14" fact="NaN" max="NaN"/>
+          </dgm:ruleLst>
+        </dgm:layoutNode>
+        <dgm:layoutNode name="desTx" styleLbl="alignAccFollowNode1">
+          <dgm:varLst/>
+          <dgm:alg type="tx">
+            <dgm:param type="stBulletLvl" val="0"/>
+            <dgm:param type="txAnchorVert" val="t"/>
+            <dgm:param type="parTxLTRAlign" val="l"/>
+            <dgm:param type="shpTxLTRAlignCh" val="l"/>
+            <dgm:param type="parTxRTLAlign" val="r"/>
+            <dgm:param type="shpTxRTLAlignCh" val="r"/>
+          </dgm:alg>
+          <dgm:shape xmlns:r="http://schemas.openxmlformats.org/officeDocument/2006/relationships" type="rect" r:blip="">
+            <dgm:adjLst/>
+          </dgm:shape>
+          <dgm:presOf axis="des" ptType="node"/>
+          <dgm:constrLst>
+            <dgm:constr type="primFontSz" val="28"/>
+            <dgm:constr type="tMarg" refType="w" fact="0.28"/>
+            <dgm:constr type="bMarg" refType="w" fact="0.28"/>
+            <dgm:constr type="lMarg" refType="w" fact="0.28"/>
+            <dgm:constr type="rMarg" refType="w" fact="0.28"/>
+          </dgm:constrLst>
+          <dgm:ruleLst>
+            <dgm:rule type="h" val="INF" fact="NaN" max="NaN"/>
+            <dgm:rule type="primFontSz" val="11" fact="NaN" max="NaN"/>
+          </dgm:ruleLst>
+        </dgm:layoutNode>
+      </dgm:layoutNode>
+      <dgm:forEach name="Name19" axis="followSib" ptType="sibTrans" cnt="1">
+        <dgm:layoutNode name="space">
+          <dgm:alg type="sp"/>
+          <dgm:shape xmlns:r="http://schemas.openxmlformats.org/officeDocument/2006/relationships" r:blip="">
+            <dgm:adjLst/>
+          </dgm:shape>
+          <dgm:presOf/>
+          <dgm:constrLst/>
+          <dgm:ruleLst/>
+        </dgm:layoutNode>
+      </dgm:forEach>
+    </dgm:forEach>
+  </dgm:layoutNode>
+</dgm:layoutDef>
+</file>
+
+<file path=ppt/diagrams/quickStyle1.xml><?xml version="1.0" encoding="utf-8"?>
+<dgm:styleDef xmlns:dgm="http://schemas.openxmlformats.org/drawingml/2006/diagram" xmlns:a="http://schemas.openxmlformats.org/drawingml/2006/main" uniqueId="urn:microsoft.com/office/officeart/2005/8/quickstyle/simple4">
+  <dgm:title val=""/>
+  <dgm:desc val=""/>
+  <dgm:catLst>
+    <dgm:cat type="simple" pri="10400"/>
+  </dgm:catLst>
+  <dgm:scene3d>
+    <a:camera prst="orthographicFront"/>
+    <a:lightRig rig="threePt" dir="t"/>
+  </dgm:scene3d>
+  <dgm:styleLbl name="node0">
+    <dgm:scene3d>
+      <a:camera prst="orthographicFront"/>
+      <a:lightRig rig="threePt" dir="t"/>
+    </dgm:scene3d>
+    <dgm:sp3d/>
+    <dgm:txPr/>
+    <dgm:style>
+      <a:lnRef idx="0">
+        <a:scrgbClr r="0" g="0" b="0"/>
+      </a:lnRef>
+      <a:fillRef idx="3">
+        <a:scrgbClr r="0" g="0" b="0"/>
+      </a:fillRef>
+      <a:effectRef idx="2">
+        <a:scrgbClr r="0" g="0" b="0"/>
+      </a:effectRef>
+      <a:fontRef idx="minor">
+        <a:schemeClr val="lt1"/>
+      </a:fontRef>
+    </dgm:style>
+  </dgm:styleLbl>
+  <dgm:styleLbl name="lnNode1">
+    <dgm:scene3d>
+      <a:camera prst="orthographicFront"/>
+      <a:lightRig rig="threePt" dir="t"/>
+    </dgm:scene3d>
+    <dgm:sp3d/>
+    <dgm:txPr/>
+    <dgm:style>
+      <a:lnRef idx="1">
+        <a:scrgbClr r="0" g="0" b="0"/>
+      </a:lnRef>
+      <a:fillRef idx="3">
+        <a:scrgbClr r="0" g="0" b="0"/>
+      </a:fillRef>
+      <a:effectRef idx="2">
+        <a:scrgbClr r="0" g="0" b="0"/>
+      </a:effectRef>
+      <a:fontRef idx="minor">
+        <a:schemeClr val="lt1"/>
+      </a:fontRef>
+    </dgm:style>
+  </dgm:styleLbl>
+  <dgm:styleLbl name="vennNode1">
+    <dgm:scene3d>
+      <a:camera prst="orthographicFront"/>
+      <a:lightRig rig="threePt" dir="t"/>
+    </dgm:scene3d>
+    <dgm:sp3d/>
+    <dgm:txPr/>
+    <dgm:style>
+      <a:lnRef idx="0">
+        <a:scrgbClr r="0" g="0" b="0"/>
+      </a:lnRef>
+      <a:fillRef idx="3">
+        <a:scrgbClr r="0" g="0" b="0"/>
+      </a:fillRef>
+      <a:effectRef idx="0">
+        <a:scrgbClr r="0" g="0" b="0"/>
+      </a:effectRef>
+      <a:fontRef idx="minor">
+        <a:schemeClr val="tx1"/>
+      </a:fontRef>
+    </dgm:style>
+  </dgm:styleLbl>
+  <dgm:styleLbl name="alignNode1">
+    <dgm:scene3d>
+      <a:camera prst="orthographicFront"/>
+      <a:lightRig rig="threePt" dir="t"/>
+    </dgm:scene3d>
+    <dgm:sp3d/>
+    <dgm:txPr/>
+    <dgm:style>
+      <a:lnRef idx="1">
+        <a:scrgbClr r="0" g="0" b="0"/>
+      </a:lnRef>
+      <a:fillRef idx="3">
+        <a:scrgbClr r="0" g="0" b="0"/>
+      </a:fillRef>
+      <a:effectRef idx="2">
+        <a:scrgbClr r="0" g="0" b="0"/>
+      </a:effectRef>
+      <a:fontRef idx="minor">
+        <a:schemeClr val="lt1"/>
+      </a:fontRef>
+    </dgm:style>
+  </dgm:styleLbl>
+  <dgm:styleLbl name="node1">
+    <dgm:scene3d>
+      <a:camera prst="orthographicFront"/>
+      <a:lightRig rig="threePt" dir="t"/>
+    </dgm:scene3d>
+    <dgm:sp3d/>
+    <dgm:txPr/>
+    <dgm:style>
+      <a:lnRef idx="0">
+        <a:scrgbClr r="0" g="0" b="0"/>
+      </a:lnRef>
+      <a:fillRef idx="3">
+        <a:scrgbClr r="0" g="0" b="0"/>
+      </a:fillRef>
+      <a:effectRef idx="2">
+        <a:scrgbClr r="0" g="0" b="0"/>
+      </a:effectRef>
+      <a:fontRef idx="minor">
+        <a:schemeClr val="lt1"/>
+      </a:fontRef>
+    </dgm:style>
+  </dgm:styleLbl>
+  <dgm:styleLbl name="node2">
+    <dgm:scene3d>
+      <a:camera prst="orthographicFront"/>
+      <a:lightRig rig="threePt" dir="t"/>
+    </dgm:scene3d>
+    <dgm:sp3d/>
+    <dgm:txPr/>
+    <dgm:style>
+      <a:lnRef idx="0">
+        <a:scrgbClr r="0" g="0" b="0"/>
+      </a:lnRef>
+      <a:fillRef idx="3">
+        <a:scrgbClr r="0" g="0" b="0"/>
+      </a:fillRef>
+      <a:effectRef idx="2">
+        <a:scrgbClr r="0" g="0" b="0"/>
+      </a:effectRef>
+      <a:fontRef idx="minor">
+        <a:schemeClr val="lt1"/>
+      </a:fontRef>
+    </dgm:style>
+  </dgm:styleLbl>
+  <dgm:styleLbl name="node3">
+    <dgm:scene3d>
+      <a:camera prst="orthographicFront"/>
+      <a:lightRig rig="threePt" dir="t"/>
+    </dgm:scene3d>
+    <dgm:sp3d/>
+    <dgm:txPr/>
+    <dgm:style>
+      <a:lnRef idx="0">
+        <a:scrgbClr r="0" g="0" b="0"/>
+      </a:lnRef>
+      <a:fillRef idx="3">
+        <a:scrgbClr r="0" g="0" b="0"/>
+      </a:fillRef>
+      <a:effectRef idx="2">
+        <a:scrgbClr r="0" g="0" b="0"/>
+      </a:effectRef>
+      <a:fontRef idx="minor">
+        <a:schemeClr val="lt1"/>
+      </a:fontRef>
+    </dgm:style>
+  </dgm:styleLbl>
+  <dgm:styleLbl name="node4">
+    <dgm:scene3d>
+      <a:camera prst="orthographicFront"/>
+      <a:lightRig rig="threePt" dir="t"/>
+    </dgm:scene3d>
+    <dgm:sp3d/>
+    <dgm:txPr/>
+    <dgm:style>
+      <a:lnRef idx="0">
+        <a:scrgbClr r="0" g="0" b="0"/>
+      </a:lnRef>
+      <a:fillRef idx="3">
+        <a:scrgbClr r="0" g="0" b="0"/>
+      </a:fillRef>
+      <a:effectRef idx="2">
+        <a:scrgbClr r="0" g="0" b="0"/>
+      </a:effectRef>
+      <a:fontRef idx="minor">
+        <a:schemeClr val="lt1"/>
+      </a:fontRef>
+    </dgm:style>
+  </dgm:styleLbl>
+  <dgm:styleLbl name="fgImgPlace1">
+    <dgm:scene3d>
+      <a:camera prst="orthographicFront"/>
+      <a:lightRig rig="threePt" dir="t"/>
+    </dgm:scene3d>
+    <dgm:sp3d/>
+    <dgm:txPr/>
+    <dgm:style>
+      <a:lnRef idx="0">
+        <a:scrgbClr r="0" g="0" b="0"/>
+      </a:lnRef>
+      <a:fillRef idx="1">
+        <a:scrgbClr r="0" g="0" b="0"/>
+      </a:fillRef>
+      <a:effectRef idx="2">
+        <a:scrgbClr r="0" g="0" b="0"/>
+      </a:effectRef>
+      <a:fontRef idx="minor"/>
+    </dgm:style>
+  </dgm:styleLbl>
+  <dgm:styleLbl name="alignImgPlace1">
+    <dgm:scene3d>
+      <a:camera prst="orthographicFront"/>
+      <a:lightRig rig="threePt" dir="t"/>
+    </dgm:scene3d>
+    <dgm:sp3d/>
+    <dgm:txPr/>
+    <dgm:style>
+      <a:lnRef idx="0">
+        <a:scrgbClr r="0" g="0" b="0"/>
+      </a:lnRef>
+      <a:fillRef idx="1">
+        <a:scrgbClr r="0" g="0" b="0"/>
+      </a:fillRef>
+      <a:effectRef idx="2">
+        <a:scrgbClr r="0" g="0" b="0"/>
+      </a:effectRef>
+      <a:fontRef idx="minor"/>
+    </dgm:style>
+  </dgm:styleLbl>
+  <dgm:styleLbl name="bgImgPlace1">
+    <dgm:scene3d>
+      <a:camera prst="orthographicFront"/>
+      <a:lightRig rig="threePt" dir="t"/>
+    </dgm:scene3d>
+    <dgm:sp3d/>
+    <dgm:txPr/>
+    <dgm:style>
+      <a:lnRef idx="0">
+        <a:scrgbClr r="0" g="0" b="0"/>
+      </a:lnRef>
+      <a:fillRef idx="1">
+        <a:scrgbClr r="0" g="0" b="0"/>
+      </a:fillRef>
+      <a:effectRef idx="2">
+        <a:scrgbClr r="0" g="0" b="0"/>
+      </a:effectRef>
+      <a:fontRef idx="minor"/>
+    </dgm:style>
+  </dgm:styleLbl>
+  <dgm:styleLbl name="sibTrans2D1">
+    <dgm:scene3d>
+      <a:camera prst="orthographicFront"/>
+      <a:lightRig rig="threePt" dir="t"/>
+    </dgm:scene3d>
+    <dgm:sp3d/>
+    <dgm:txPr/>
+    <dgm:style>
+      <a:lnRef idx="0">
+        <a:scrgbClr r="0" g="0" b="0"/>
+      </a:lnRef>
+      <a:fillRef idx="3">
+        <a:scrgbClr r="0" g="0" b="0"/>
+      </a:fillRef>
+      <a:effectRef idx="2">
+        <a:scrgbClr r="0" g="0" b="0"/>
+      </a:effectRef>
+      <a:fontRef idx="minor">
+        <a:schemeClr val="lt1"/>
+      </a:fontRef>
+    </dgm:style>
+  </dgm:styleLbl>
+  <dgm:styleLbl name="fgSibTrans2D1">
+    <dgm:scene3d>
+      <a:camera prst="orthographicFront"/>
+      <a:lightRig rig="threePt" dir="t"/>
+    </dgm:scene3d>
+    <dgm:sp3d/>
+    <dgm:txPr/>
+    <dgm:style>
+      <a:lnRef idx="0">
+        <a:scrgbClr r="0" g="0" b="0"/>
+      </a:lnRef>
+      <a:fillRef idx="3">
+        <a:scrgbClr r="0" g="0" b="0"/>
+      </a:fillRef>
+      <a:effectRef idx="2">
+        <a:scrgbClr r="0" g="0" b="0"/>
+      </a:effectRef>
+      <a:fontRef idx="minor">
+        <a:schemeClr val="lt1"/>
+      </a:fontRef>
+    </dgm:style>
+  </dgm:styleLbl>
+  <dgm:styleLbl name="bgSibTrans2D1">
+    <dgm:scene3d>
+      <a:camera prst="orthographicFront"/>
+      <a:lightRig rig="threePt" dir="t"/>
+    </dgm:scene3d>
+    <dgm:sp3d/>
+    <dgm:txPr/>
+    <dgm:style>
+      <a:lnRef idx="0">
+        <a:scrgbClr r="0" g="0" b="0"/>
+      </a:lnRef>
+      <a:fillRef idx="3">
+        <a:scrgbClr r="0" g="0" b="0"/>
+      </a:fillRef>
+      <a:effectRef idx="2">
+        <a:scrgbClr r="0" g="0" b="0"/>
+      </a:effectRef>
+      <a:fontRef idx="minor">
+        <a:schemeClr val="lt1"/>
+      </a:fontRef>
+    </dgm:style>
+  </dgm:styleLbl>
+  <dgm:styleLbl name="sibTrans1D1">
+    <dgm:scene3d>
+      <a:camera prst="orthographicFront"/>
+      <a:lightRig rig="threePt" dir="t"/>
+    </dgm:scene3d>
+    <dgm:sp3d/>
+    <dgm:txPr/>
+    <dgm:style>
+      <a:lnRef idx="1">
+        <a:scrgbClr r="0" g="0" b="0"/>
+      </a:lnRef>
+      <a:fillRef idx="0">
+        <a:scrgbClr r="0" g="0" b="0"/>
+      </a:fillRef>
+      <a:effectRef idx="0">
+        <a:scrgbClr r="0" g="0" b="0"/>
+      </a:effectRef>
+      <a:fontRef idx="minor"/>
+    </dgm:style>
+  </dgm:styleLbl>
+  <dgm:styleLbl name="callout">
+    <dgm:scene3d>
+      <a:camera prst="orthographicFront"/>
+      <a:lightRig rig="threePt" dir="t"/>
+    </dgm:scene3d>
+    <dgm:sp3d/>
+    <dgm:txPr/>
+    <dgm:style>
+      <a:lnRef idx="2">
+        <a:scrgbClr r="0" g="0" b="0"/>
+      </a:lnRef>
+      <a:fillRef idx="1">
+        <a:scrgbClr r="0" g="0" b="0"/>
+      </a:fillRef>
+      <a:effectRef idx="1">
+        <a:scrgbClr r="0" g="0" b="0"/>
+      </a:effectRef>
+      <a:fontRef idx="minor"/>
+    </dgm:style>
+  </dgm:styleLbl>
+  <dgm:styleLbl name="asst0">
+    <dgm:scene3d>
+      <a:camera prst="orthographicFront"/>
+      <a:lightRig rig="threePt" dir="t"/>
+    </dgm:scene3d>
+    <dgm:sp3d/>
+    <dgm:txPr/>
+    <dgm:style>
+      <a:lnRef idx="0">
+        <a:scrgbClr r="0" g="0" b="0"/>
+      </a:lnRef>
+      <a:fillRef idx="3">
+        <a:scrgbClr r="0" g="0" b="0"/>
+      </a:fillRef>
+      <a:effectRef idx="2">
+        <a:scrgbClr r="0" g="0" b="0"/>
+      </a:effectRef>
+      <a:fontRef idx="minor">
+        <a:schemeClr val="lt1"/>
+      </a:fontRef>
+    </dgm:style>
+  </dgm:styleLbl>
+  <dgm:styleLbl name="asst1">
+    <dgm:scene3d>
+      <a:camera prst="orthographicFront"/>
+      <a:lightRig rig="threePt" dir="t"/>
+    </dgm:scene3d>
+    <dgm:sp3d/>
+    <dgm:txPr/>
+    <dgm:style>
+      <a:lnRef idx="0">
+        <a:scrgbClr r="0" g="0" b="0"/>
+      </a:lnRef>
+      <a:fillRef idx="3">
+        <a:scrgbClr r="0" g="0" b="0"/>
+      </a:fillRef>
+      <a:effectRef idx="2">
+        <a:scrgbClr r="0" g="0" b="0"/>
+      </a:effectRef>
+      <a:fontRef idx="minor">
+        <a:schemeClr val="lt1"/>
+      </a:fontRef>
+    </dgm:style>
+  </dgm:styleLbl>
+  <dgm:styleLbl name="asst2">
+    <dgm:scene3d>
+      <a:camera prst="orthographicFront"/>
+      <a:lightRig rig="threePt" dir="t"/>
+    </dgm:scene3d>
+    <dgm:sp3d/>
+    <dgm:txPr/>
+    <dgm:style>
+      <a:lnRef idx="0">
+        <a:scrgbClr r="0" g="0" b="0"/>
+      </a:lnRef>
+      <a:fillRef idx="3">
+        <a:scrgbClr r="0" g="0" b="0"/>
+      </a:fillRef>
+      <a:effectRef idx="2">
+        <a:scrgbClr r="0" g="0" b="0"/>
+      </a:effectRef>
+      <a:fontRef idx="minor">
+        <a:schemeClr val="lt1"/>
+      </a:fontRef>
+    </dgm:style>
+  </dgm:styleLbl>
+  <dgm:styleLbl name="asst3">
+    <dgm:scene3d>
+      <a:camera prst="orthographicFront"/>
+      <a:lightRig rig="threePt" dir="t"/>
+    </dgm:scene3d>
+    <dgm:sp3d/>
+    <dgm:txPr/>
+    <dgm:style>
+      <a:lnRef idx="0">
+        <a:scrgbClr r="0" g="0" b="0"/>
+      </a:lnRef>
+      <a:fillRef idx="3">
+        <a:scrgbClr r="0" g="0" b="0"/>
+      </a:fillRef>
+      <a:effectRef idx="2">
+        <a:scrgbClr r="0" g="0" b="0"/>
+      </a:effectRef>
+      <a:fontRef idx="minor">
+        <a:schemeClr val="lt1"/>
+      </a:fontRef>
+    </dgm:style>
+  </dgm:styleLbl>
+  <dgm:styleLbl name="asst4">
+    <dgm:scene3d>
+      <a:camera prst="orthographicFront"/>
+      <a:lightRig rig="threePt" dir="t"/>
+    </dgm:scene3d>
+    <dgm:sp3d/>
+    <dgm:txPr/>
+    <dgm:style>
+      <a:lnRef idx="0">
+        <a:scrgbClr r="0" g="0" b="0"/>
+      </a:lnRef>
+      <a:fillRef idx="3">
+        <a:scrgbClr r="0" g="0" b="0"/>
+      </a:fillRef>
+      <a:effectRef idx="2">
+        <a:scrgbClr r="0" g="0" b="0"/>
+      </a:effectRef>
+      <a:fontRef idx="minor">
+        <a:schemeClr val="lt1"/>
+      </a:fontRef>
+    </dgm:style>
+  </dgm:styleLbl>
+  <dgm:styleLbl name="parChTrans2D1">
+    <dgm:scene3d>
+      <a:camera prst="orthographicFront"/>
+      <a:lightRig rig="threePt" dir="t"/>
+    </dgm:scene3d>
+    <dgm:sp3d/>
+    <dgm:txPr/>
+    <dgm:style>
+      <a:lnRef idx="0">
+        <a:scrgbClr r="0" g="0" b="0"/>
+      </a:lnRef>
+      <a:fillRef idx="3">
+        <a:scrgbClr r="0" g="0" b="0"/>
+      </a:fillRef>
+      <a:effectRef idx="2">
+        <a:scrgbClr r="0" g="0" b="0"/>
+      </a:effectRef>
+      <a:fontRef idx="minor">
+        <a:schemeClr val="lt1"/>
+      </a:fontRef>
+    </dgm:style>
+  </dgm:styleLbl>
+  <dgm:styleLbl name="parChTrans2D2">
+    <dgm:scene3d>
+      <a:camera prst="orthographicFront"/>
+      <a:lightRig rig="threePt" dir="t"/>
+    </dgm:scene3d>
+    <dgm:sp3d/>
+    <dgm:txPr/>
+    <dgm:style>
+      <a:lnRef idx="0">
+        <a:scrgbClr r="0" g="0" b="0"/>
+      </a:lnRef>
+      <a:fillRef idx="3">
+        <a:scrgbClr r="0" g="0" b="0"/>
+      </a:fillRef>
+      <a:effectRef idx="2">
+        <a:scrgbClr r="0" g="0" b="0"/>
+      </a:effectRef>
+      <a:fontRef idx="minor">
+        <a:schemeClr val="lt1"/>
+      </a:fontRef>
+    </dgm:style>
+  </dgm:styleLbl>
+  <dgm:styleLbl name="parChTrans2D3">
+    <dgm:scene3d>
+      <a:camera prst="orthographicFront"/>
+      <a:lightRig rig="threePt" dir="t"/>
+    </dgm:scene3d>
+    <dgm:sp3d/>
+    <dgm:txPr/>
+    <dgm:style>
+      <a:lnRef idx="1">
+        <a:scrgbClr r="0" g="0" b="0"/>
+      </a:lnRef>
+      <a:fillRef idx="3">
+        <a:scrgbClr r="0" g="0" b="0"/>
+      </a:fillRef>
+      <a:effectRef idx="2">
+        <a:scrgbClr r="0" g="0" b="0"/>
+      </a:effectRef>
+      <a:fontRef idx="minor">
+        <a:schemeClr val="lt1"/>
+      </a:fontRef>
+    </dgm:style>
+  </dgm:styleLbl>
+  <dgm:styleLbl name="parChTrans2D4">
+    <dgm:scene3d>
+      <a:camera prst="orthographicFront"/>
+      <a:lightRig rig="threePt" dir="t"/>
+    </dgm:scene3d>
+    <dgm:sp3d/>
+    <dgm:txPr/>
+    <dgm:style>
+      <a:lnRef idx="1">
+        <a:scrgbClr r="0" g="0" b="0"/>
+      </a:lnRef>
+      <a:fillRef idx="3">
+        <a:scrgbClr r="0" g="0" b="0"/>
+      </a:fillRef>
+      <a:effectRef idx="2">
+        <a:scrgbClr r="0" g="0" b="0"/>
+      </a:effectRef>
+      <a:fontRef idx="minor">
+        <a:schemeClr val="lt1"/>
+      </a:fontRef>
+    </dgm:style>
+  </dgm:styleLbl>
+  <dgm:styleLbl name="parChTrans1D1">
+    <dgm:scene3d>
+      <a:camera prst="orthographicFront"/>
+      <a:lightRig rig="threePt" dir="t"/>
+    </dgm:scene3d>
+    <dgm:sp3d/>
+    <dgm:txPr/>
+    <dgm:style>
+      <a:lnRef idx="1">
+        <a:scrgbClr r="0" g="0" b="0"/>
+      </a:lnRef>
+      <a:fillRef idx="0">
+        <a:scrgbClr r="0" g="0" b="0"/>
+      </a:fillRef>
+      <a:effectRef idx="0">
+        <a:scrgbClr r="0" g="0" b="0"/>
+      </a:effectRef>
+      <a:fontRef idx="minor"/>
+    </dgm:style>
+  </dgm:styleLbl>
+  <dgm:styleLbl name="parChTrans1D2">
+    <dgm:scene3d>
+      <a:camera prst="orthographicFront"/>
+      <a:lightRig rig="threePt" dir="t"/>
+    </dgm:scene3d>
+    <dgm:sp3d/>
+    <dgm:txPr/>
+    <dgm:style>
+      <a:lnRef idx="1">
+        <a:scrgbClr r="0" g="0" b="0"/>
+      </a:lnRef>
+      <a:fillRef idx="0">
+        <a:scrgbClr r="0" g="0" b="0"/>
+      </a:fillRef>
+      <a:effectRef idx="0">
+        <a:scrgbClr r="0" g="0" b="0"/>
+      </a:effectRef>
+      <a:fontRef idx="minor"/>
+    </dgm:style>
+  </dgm:styleLbl>
+  <dgm:styleLbl name="parChTrans1D3">
+    <dgm:scene3d>
+      <a:camera prst="orthographicFront"/>
+      <a:lightRig rig="threePt" dir="t"/>
+    </dgm:scene3d>
+    <dgm:sp3d/>
+    <dgm:txPr/>
+    <dgm:style>
+      <a:lnRef idx="1">
+        <a:scrgbClr r="0" g="0" b="0"/>
+      </a:lnRef>
+      <a:fillRef idx="0">
+        <a:scrgbClr r="0" g="0" b="0"/>
+      </a:fillRef>
+      <a:effectRef idx="0">
+        <a:scrgbClr r="0" g="0" b="0"/>
+      </a:effectRef>
+      <a:fontRef idx="minor"/>
+    </dgm:style>
+  </dgm:styleLbl>
+  <dgm:styleLbl name="parChTrans1D4">
+    <dgm:scene3d>
+      <a:camera prst="orthographicFront"/>
+      <a:lightRig rig="threePt" dir="t"/>
+    </dgm:scene3d>
+    <dgm:sp3d/>
+    <dgm:txPr/>
+    <dgm:style>
+      <a:lnRef idx="1">
+        <a:scrgbClr r="0" g="0" b="0"/>
+      </a:lnRef>
+      <a:fillRef idx="0">
+        <a:scrgbClr r="0" g="0" b="0"/>
+      </a:fillRef>
+      <a:effectRef idx="0">
+        <a:scrgbClr r="0" g="0" b="0"/>
+      </a:effectRef>
+      <a:fontRef idx="minor"/>
+    </dgm:style>
+  </dgm:styleLbl>
+  <dgm:styleLbl name="fgAcc1">
+    <dgm:scene3d>
+      <a:camera prst="orthographicFront"/>
+      <a:lightRig rig="threePt" dir="t"/>
+    </dgm:scene3d>
+    <dgm:sp3d/>
+    <dgm:txPr/>
+    <dgm:style>
+      <a:lnRef idx="1">
+        <a:scrgbClr r="0" g="0" b="0"/>
+      </a:lnRef>
+      <a:fillRef idx="1">
+        <a:scrgbClr r="0" g="0" b="0"/>
+      </a:fillRef>
+      <a:effectRef idx="0">
+        <a:scrgbClr r="0" g="0" b="0"/>
+      </a:effectRef>
+      <a:fontRef idx="minor"/>
+    </dgm:style>
+  </dgm:styleLbl>
+  <dgm:styleLbl name="conFgAcc1">
+    <dgm:scene3d>
+      <a:camera prst="orthographicFront"/>
+      <a:lightRig rig="threePt" dir="t"/>
+    </dgm:scene3d>
+    <dgm:sp3d/>
+    <dgm:txPr/>
+    <dgm:style>
+      <a:lnRef idx="1">
+        <a:scrgbClr r="0" g="0" b="0"/>
+      </a:lnRef>
+      <a:fillRef idx="1">
+        <a:scrgbClr r="0" g="0" b="0"/>
+      </a:fillRef>
+      <a:effectRef idx="0">
+        <a:scrgbClr r="0" g="0" b="0"/>
+      </a:effectRef>
+      <a:fontRef idx="minor"/>
+    </dgm:style>
+  </dgm:styleLbl>
+  <dgm:styleLbl name="alignAcc1">
+    <dgm:scene3d>
+      <a:camera prst="orthographicFront"/>
+      <a:lightRig rig="threePt" dir="t"/>
+    </dgm:scene3d>
+    <dgm:sp3d/>
+    <dgm:txPr/>
+    <dgm:style>
+      <a:lnRef idx="1">
+        <a:scrgbClr r="0" g="0" b="0"/>
+      </a:lnRef>
+      <a:fillRef idx="1">
+        <a:scrgbClr r="0" g="0" b="0"/>
+      </a:fillRef>
+      <a:effectRef idx="0">
+        <a:scrgbClr r="0" g="0" b="0"/>
+      </a:effectRef>
+      <a:fontRef idx="minor"/>
+    </dgm:style>
+  </dgm:styleLbl>
+  <dgm:styleLbl name="trAlignAcc1">
+    <dgm:scene3d>
+      <a:camera prst="orthographicFront"/>
+      <a:lightRig rig="threePt" dir="t"/>
+    </dgm:scene3d>
+    <dgm:sp3d/>
+    <dgm:txPr/>
+    <dgm:style>
+      <a:lnRef idx="1">
+        <a:scrgbClr r="0" g="0" b="0"/>
+      </a:lnRef>
+      <a:fillRef idx="1">
+        <a:scrgbClr r="0" g="0" b="0"/>
+      </a:fillRef>
+      <a:effectRef idx="0">
+        <a:scrgbClr r="0" g="0" b="0"/>
+      </a:effectRef>
+      <a:fontRef idx="minor"/>
+    </dgm:style>
+  </dgm:styleLbl>
+  <dgm:styleLbl name="bgAcc1">
+    <dgm:scene3d>
+      <a:camera prst="orthographicFront"/>
+      <a:lightRig rig="threePt" dir="t"/>
+    </dgm:scene3d>
+    <dgm:sp3d/>
+    <dgm:txPr/>
+    <dgm:style>
+      <a:lnRef idx="1">
+        <a:scrgbClr r="0" g="0" b="0"/>
+      </a:lnRef>
+      <a:fillRef idx="1">
+        <a:scrgbClr r="0" g="0" b="0"/>
+      </a:fillRef>
+      <a:effectRef idx="0">
+        <a:scrgbClr r="0" g="0" b="0"/>
+      </a:effectRef>
+      <a:fontRef idx="minor"/>
+    </dgm:style>
+  </dgm:styleLbl>
+  <dgm:styleLbl name="solidFgAcc1">
+    <dgm:scene3d>
+      <a:camera prst="orthographicFront"/>
+      <a:lightRig rig="threePt" dir="t"/>
+    </dgm:scene3d>
+    <dgm:sp3d/>
+    <dgm:txPr/>
+    <dgm:style>
+      <a:lnRef idx="1">
+        <a:scrgbClr r="0" g="0" b="0"/>
+      </a:lnRef>
+      <a:fillRef idx="1">
+        <a:scrgbClr r="0" g="0" b="0"/>
+      </a:fillRef>
+      <a:effectRef idx="0">
+        <a:scrgbClr r="0" g="0" b="0"/>
+      </a:effectRef>
+      <a:fontRef idx="minor"/>
+    </dgm:style>
+  </dgm:styleLbl>
+  <dgm:styleLbl name="solidAlignAcc1">
+    <dgm:scene3d>
+      <a:camera prst="orthographicFront"/>
+      <a:lightRig rig="threePt" dir="t"/>
+    </dgm:scene3d>
+    <dgm:sp3d/>
+    <dgm:txPr/>
+    <dgm:style>
+      <a:lnRef idx="1">
+        <a:scrgbClr r="0" g="0" b="0"/>
+      </a:lnRef>
+      <a:fillRef idx="1">
+        <a:scrgbClr r="0" g="0" b="0"/>
+      </a:fillRef>
+      <a:effectRef idx="0">
+        <a:scrgbClr r="0" g="0" b="0"/>
+      </a:effectRef>
+      <a:fontRef idx="minor"/>
+    </dgm:style>
+  </dgm:styleLbl>
+  <dgm:styleLbl name="solidBgAcc1">
+    <dgm:scene3d>
+      <a:camera prst="orthographicFront"/>
+      <a:lightRig rig="threePt" dir="t"/>
+    </dgm:scene3d>
+    <dgm:sp3d/>
+    <dgm:txPr/>
+    <dgm:style>
+      <a:lnRef idx="1">
+        <a:scrgbClr r="0" g="0" b="0"/>
+      </a:lnRef>
+      <a:fillRef idx="1">
+        <a:scrgbClr r="0" g="0" b="0"/>
+      </a:fillRef>
+      <a:effectRef idx="0">
+        <a:scrgbClr r="0" g="0" b="0"/>
+      </a:effectRef>
+      <a:fontRef idx="minor"/>
+    </dgm:style>
+  </dgm:styleLbl>
+  <dgm:styleLbl name="fgAccFollowNode1">
+    <dgm:scene3d>
+      <a:camera prst="orthographicFront"/>
+      <a:lightRig rig="threePt" dir="t"/>
+    </dgm:scene3d>
+    <dgm:sp3d/>
+    <dgm:txPr/>
+    <dgm:style>
+      <a:lnRef idx="1">
+        <a:scrgbClr r="0" g="0" b="0"/>
+      </a:lnRef>
+      <a:fillRef idx="1">
+        <a:scrgbClr r="0" g="0" b="0"/>
+      </a:fillRef>
+      <a:effectRef idx="0">
+        <a:scrgbClr r="0" g="0" b="0"/>
+      </a:effectRef>
+      <a:fontRef idx="minor"/>
+    </dgm:style>
+  </dgm:styleLbl>
+  <dgm:styleLbl name="alignAccFollowNode1">
+    <dgm:scene3d>
+      <a:camera prst="orthographicFront"/>
+      <a:lightRig rig="threePt" dir="t"/>
+    </dgm:scene3d>
+    <dgm:sp3d/>
+    <dgm:txPr/>
+    <dgm:style>
+      <a:lnRef idx="1">
+        <a:scrgbClr r="0" g="0" b="0"/>
+      </a:lnRef>
+      <a:fillRef idx="1">
+        <a:scrgbClr r="0" g="0" b="0"/>
+      </a:fillRef>
+      <a:effectRef idx="0">
+        <a:scrgbClr r="0" g="0" b="0"/>
+      </a:effectRef>
+      <a:fontRef idx="minor"/>
+    </dgm:style>
+  </dgm:styleLbl>
+  <dgm:styleLbl name="bgAccFollowNode1">
+    <dgm:scene3d>
+      <a:camera prst="orthographicFront"/>
+      <a:lightRig rig="threePt" dir="t"/>
+    </dgm:scene3d>
+    <dgm:sp3d/>
+    <dgm:txPr/>
+    <dgm:style>
+      <a:lnRef idx="1">
+        <a:scrgbClr r="0" g="0" b="0"/>
+      </a:lnRef>
+      <a:fillRef idx="1">
+        <a:scrgbClr r="0" g="0" b="0"/>
+      </a:fillRef>
+      <a:effectRef idx="0">
+        <a:scrgbClr r="0" g="0" b="0"/>
+      </a:effectRef>
+      <a:fontRef idx="minor"/>
+    </dgm:style>
+  </dgm:styleLbl>
+  <dgm:styleLbl name="fgAcc0">
+    <dgm:scene3d>
+      <a:camera prst="orthographicFront"/>
+      <a:lightRig rig="threePt" dir="t"/>
+    </dgm:scene3d>
+    <dgm:sp3d/>
+    <dgm:txPr/>
+    <dgm:style>
+      <a:lnRef idx="1">
+        <a:scrgbClr r="0" g="0" b="0"/>
+      </a:lnRef>
+      <a:fillRef idx="1">
+        <a:scrgbClr r="0" g="0" b="0"/>
+      </a:fillRef>
+      <a:effectRef idx="0">
+        <a:scrgbClr r="0" g="0" b="0"/>
+      </a:effectRef>
+      <a:fontRef idx="minor"/>
+    </dgm:style>
+  </dgm:styleLbl>
+  <dgm:styleLbl name="fgAcc2">
+    <dgm:scene3d>
+      <a:camera prst="orthographicFront"/>
+      <a:lightRig rig="threePt" dir="t"/>
+    </dgm:scene3d>
+    <dgm:sp3d/>
+    <dgm:txPr/>
+    <dgm:style>
+      <a:lnRef idx="1">
+        <a:scrgbClr r="0" g="0" b="0"/>
+      </a:lnRef>
+      <a:fillRef idx="1">
+        <a:scrgbClr r="0" g="0" b="0"/>
+      </a:fillRef>
+      <a:effectRef idx="0">
+        <a:scrgbClr r="0" g="0" b="0"/>
+      </a:effectRef>
+      <a:fontRef idx="minor"/>
+    </dgm:style>
+  </dgm:styleLbl>
+  <dgm:styleLbl name="fgAcc3">
+    <dgm:scene3d>
+      <a:camera prst="orthographicFront"/>
+      <a:lightRig rig="threePt" dir="t"/>
+    </dgm:scene3d>
+    <dgm:sp3d/>
+    <dgm:txPr/>
+    <dgm:style>
+      <a:lnRef idx="1">
+        <a:scrgbClr r="0" g="0" b="0"/>
+      </a:lnRef>
+      <a:fillRef idx="1">
+        <a:scrgbClr r="0" g="0" b="0"/>
+      </a:fillRef>
+      <a:effectRef idx="0">
+        <a:scrgbClr r="0" g="0" b="0"/>
+      </a:effectRef>
+      <a:fontRef idx="minor"/>
+    </dgm:style>
+  </dgm:styleLbl>
+  <dgm:styleLbl name="fgAcc4">
+    <dgm:scene3d>
+      <a:camera prst="orthographicFront"/>
+      <a:lightRig rig="threePt" dir="t"/>
+    </dgm:scene3d>
+    <dgm:sp3d/>
+    <dgm:txPr/>
+    <dgm:style>
+      <a:lnRef idx="1">
+        <a:scrgbClr r="0" g="0" b="0"/>
+      </a:lnRef>
+      <a:fillRef idx="1">
+        <a:scrgbClr r="0" g="0" b="0"/>
+      </a:fillRef>
+      <a:effectRef idx="0">
+        <a:scrgbClr r="0" g="0" b="0"/>
+      </a:effectRef>
+      <a:fontRef idx="minor"/>
+    </dgm:style>
+  </dgm:styleLbl>
+  <dgm:styleLbl name="bgShp">
+    <dgm:scene3d>
+      <a:camera prst="orthographicFront"/>
+      <a:lightRig rig="threePt" dir="t"/>
+    </dgm:scene3d>
+    <dgm:sp3d/>
+    <dgm:txPr/>
+    <dgm:style>
+      <a:lnRef idx="0">
+        <a:scrgbClr r="0" g="0" b="0"/>
+      </a:lnRef>
+      <a:fillRef idx="1">
+        <a:scrgbClr r="0" g="0" b="0"/>
+      </a:fillRef>
+      <a:effectRef idx="2">
+        <a:scrgbClr r="0" g="0" b="0"/>
+      </a:effectRef>
+      <a:fontRef idx="minor"/>
+    </dgm:style>
+  </dgm:styleLbl>
+  <dgm:styleLbl name="dkBgShp">
+    <dgm:scene3d>
+      <a:camera prst="orthographicFront"/>
+      <a:lightRig rig="threePt" dir="t"/>
+    </dgm:scene3d>
+    <dgm:sp3d/>
+    <dgm:txPr/>
+    <dgm:style>
+      <a:lnRef idx="0">
+        <a:scrgbClr r="0" g="0" b="0"/>
+      </a:lnRef>
+      <a:fillRef idx="1">
+        <a:scrgbClr r="0" g="0" b="0"/>
+      </a:fillRef>
+      <a:effectRef idx="2">
+        <a:scrgbClr r="0" g="0" b="0"/>
+      </a:effectRef>
+      <a:fontRef idx="minor"/>
+    </dgm:style>
+  </dgm:styleLbl>
+  <dgm:styleLbl name="trBgShp">
+    <dgm:scene3d>
+      <a:camera prst="orthographicFront"/>
+      <a:lightRig rig="threePt" dir="t"/>
+    </dgm:scene3d>
+    <dgm:sp3d/>
+    <dgm:txPr/>
+    <dgm:style>
+      <a:lnRef idx="0">
+        <a:scrgbClr r="0" g="0" b="0"/>
+      </a:lnRef>
+      <a:fillRef idx="1">
+        <a:scrgbClr r="0" g="0" b="0"/>
+      </a:fillRef>
+      <a:effectRef idx="0">
+        <a:scrgbClr r="0" g="0" b="0"/>
+      </a:effectRef>
+      <a:fontRef idx="minor"/>
+    </dgm:style>
+  </dgm:styleLbl>
+  <dgm:styleLbl name="fgShp">
+    <dgm:scene3d>
+      <a:camera prst="orthographicFront"/>
+      <a:lightRig rig="threePt" dir="t"/>
+    </dgm:scene3d>
+    <dgm:sp3d/>
+    <dgm:txPr/>
+    <dgm:style>
+      <a:lnRef idx="0">
+        <a:scrgbClr r="0" g="0" b="0"/>
+      </a:lnRef>
+      <a:fillRef idx="3">
+        <a:scrgbClr r="0" g="0" b="0"/>
+      </a:fillRef>
+      <a:effectRef idx="2">
+        <a:scrgbClr r="0" g="0" b="0"/>
+      </a:effectRef>
+      <a:fontRef idx="minor"/>
+    </dgm:style>
+  </dgm:styleLbl>
+  <dgm:styleLbl name="revTx">
+    <dgm:scene3d>
+      <a:camera prst="orthographicFront"/>
+      <a:lightRig rig="threePt" dir="t"/>
+    </dgm:scene3d>
+    <dgm:sp3d/>
+    <dgm:txPr/>
+    <dgm:style>
+      <a:lnRef idx="0">
+        <a:scrgbClr r="0" g="0" b="0"/>
+      </a:lnRef>
+      <a:fillRef idx="0">
+        <a:scrgbClr r="0" g="0" b="0"/>
+      </a:fillRef>
+      <a:effectRef idx="0">
+        <a:scrgbClr r="0" g="0" b="0"/>
+      </a:effectRef>
+      <a:fontRef idx="minor"/>
+    </dgm:style>
+  </dgm:styleLbl>
+</dgm:styleDef>
+</file>
+
 <file path=ppt/notesMasters/notesMaster1.xml><?xml version="1.0" encoding="utf-8"?>
 <p:notesMaster xmlns:a="http://schemas.openxmlformats.org/drawingml/2006/main" xmlns:r="http://schemas.openxmlformats.org/officeDocument/2006/relationships" xmlns:p="http://schemas.openxmlformats.org/presentationml/2006/main">
   <p:cSld>
@@ -202,7 +2815,7 @@
           <a:p>
             <a:fld id="{82604E9E-60DE-417E-849E-2CDE7F357628}" type="datetimeFigureOut">
               <a:rPr lang="en-US" smtClean="0"/>
-              <a:t>7/25/2017</a:t>
+              <a:t>7/26/2017</a:t>
             </a:fld>
             <a:endParaRPr lang="en-US"/>
           </a:p>
@@ -554,6 +3167,405 @@
 </p:notes>
 </file>
 
+<file path=ppt/notesSlides/notesSlide2.xml><?xml version="1.0" encoding="utf-8"?>
+<p:notes xmlns:a="http://schemas.openxmlformats.org/drawingml/2006/main" xmlns:r="http://schemas.openxmlformats.org/officeDocument/2006/relationships" xmlns:p="http://schemas.openxmlformats.org/presentationml/2006/main">
+  <p:cSld>
+    <p:spTree>
+      <p:nvGrpSpPr>
+        <p:cNvPr id="1" name=""/>
+        <p:cNvGrpSpPr/>
+        <p:nvPr/>
+      </p:nvGrpSpPr>
+      <p:grpSpPr>
+        <a:xfrm>
+          <a:off x="0" y="0"/>
+          <a:ext cx="0" cy="0"/>
+          <a:chOff x="0" y="0"/>
+          <a:chExt cx="0" cy="0"/>
+        </a:xfrm>
+      </p:grpSpPr>
+      <p:sp>
+        <p:nvSpPr>
+          <p:cNvPr id="2" name="슬라이드 이미지 개체 틀 1"/>
+          <p:cNvSpPr>
+            <a:spLocks noGrp="1" noRot="1" noChangeAspect="1"/>
+          </p:cNvSpPr>
+          <p:nvPr>
+            <p:ph type="sldImg"/>
+          </p:nvPr>
+        </p:nvSpPr>
+        <p:spPr/>
+      </p:sp>
+      <p:sp>
+        <p:nvSpPr>
+          <p:cNvPr id="3" name="슬라이드 노트 개체 틀 2"/>
+          <p:cNvSpPr>
+            <a:spLocks noGrp="1"/>
+          </p:cNvSpPr>
+          <p:nvPr>
+            <p:ph type="body" idx="1"/>
+          </p:nvPr>
+        </p:nvSpPr>
+        <p:spPr/>
+        <p:txBody>
+          <a:bodyPr/>
+          <a:lstStyle/>
+          <a:p>
+            <a:pPr marL="0" marR="0" lvl="0" indent="0" algn="l" defTabSz="914400" rtl="0" eaLnBrk="1" fontAlgn="auto" latinLnBrk="0" hangingPunct="1">
+              <a:lnSpc>
+                <a:spcPct val="100000"/>
+              </a:lnSpc>
+              <a:spcBef>
+                <a:spcPts val="0"/>
+              </a:spcBef>
+              <a:spcAft>
+                <a:spcPts val="0"/>
+              </a:spcAft>
+              <a:buClrTx/>
+              <a:buSzTx/>
+              <a:buFontTx/>
+              <a:buNone/>
+              <a:tabLst/>
+              <a:defRPr/>
+            </a:pPr>
+            <a:r>
+              <a:rPr lang="en-GB" dirty="0" err="1"/>
+              <a:t>Youtube</a:t>
+            </a:r>
+            <a:r>
+              <a:rPr lang="en-GB" dirty="0"/>
+              <a:t> - </a:t>
+            </a:r>
+            <a:r>
+              <a:rPr lang="en-US" dirty="0"/>
+              <a:t>Each day users watch a billion hours of video. (according to Google)</a:t>
+            </a:r>
+          </a:p>
+          <a:p>
+            <a:pPr marL="0" marR="0" lvl="0" indent="0" algn="l" defTabSz="914400" rtl="0" eaLnBrk="1" fontAlgn="auto" latinLnBrk="0" hangingPunct="1">
+              <a:lnSpc>
+                <a:spcPct val="100000"/>
+              </a:lnSpc>
+              <a:spcBef>
+                <a:spcPts val="0"/>
+              </a:spcBef>
+              <a:spcAft>
+                <a:spcPts val="0"/>
+              </a:spcAft>
+              <a:buClrTx/>
+              <a:buSzTx/>
+              <a:buFontTx/>
+              <a:buNone/>
+              <a:tabLst/>
+              <a:defRPr/>
+            </a:pPr>
+            <a:r>
+              <a:rPr lang="en-US" dirty="0"/>
+              <a:t>PayPal - Revenue Increase US$10.84 billion (2016)</a:t>
+            </a:r>
+          </a:p>
+          <a:p>
+            <a:r>
+              <a:rPr lang="en-US" dirty="0"/>
+              <a:t>Cloud9 – Online integrated development environment, written in JavaScript and Node.js</a:t>
+            </a:r>
+          </a:p>
+        </p:txBody>
+      </p:sp>
+      <p:sp>
+        <p:nvSpPr>
+          <p:cNvPr id="4" name="슬라이드 번호 개체 틀 3"/>
+          <p:cNvSpPr>
+            <a:spLocks noGrp="1"/>
+          </p:cNvSpPr>
+          <p:nvPr>
+            <p:ph type="sldNum" sz="quarter" idx="10"/>
+          </p:nvPr>
+        </p:nvSpPr>
+        <p:spPr/>
+        <p:txBody>
+          <a:bodyPr/>
+          <a:lstStyle/>
+          <a:p>
+            <a:fld id="{772745C2-B5F1-4B10-8C0E-DEBCE2EB7236}" type="slidenum">
+              <a:rPr lang="en-US" smtClean="0"/>
+              <a:t>2</a:t>
+            </a:fld>
+            <a:endParaRPr lang="en-US"/>
+          </a:p>
+        </p:txBody>
+      </p:sp>
+    </p:spTree>
+    <p:extLst>
+      <p:ext uri="{BB962C8B-B14F-4D97-AF65-F5344CB8AC3E}">
+        <p14:creationId xmlns:p14="http://schemas.microsoft.com/office/powerpoint/2010/main" val="1795131840"/>
+      </p:ext>
+    </p:extLst>
+  </p:cSld>
+  <p:clrMapOvr>
+    <a:masterClrMapping/>
+  </p:clrMapOvr>
+</p:notes>
+</file>
+
+<file path=ppt/notesSlides/notesSlide3.xml><?xml version="1.0" encoding="utf-8"?>
+<p:notes xmlns:a="http://schemas.openxmlformats.org/drawingml/2006/main" xmlns:r="http://schemas.openxmlformats.org/officeDocument/2006/relationships" xmlns:p="http://schemas.openxmlformats.org/presentationml/2006/main">
+  <p:cSld>
+    <p:spTree>
+      <p:nvGrpSpPr>
+        <p:cNvPr id="1" name=""/>
+        <p:cNvGrpSpPr/>
+        <p:nvPr/>
+      </p:nvGrpSpPr>
+      <p:grpSpPr>
+        <a:xfrm>
+          <a:off x="0" y="0"/>
+          <a:ext cx="0" cy="0"/>
+          <a:chOff x="0" y="0"/>
+          <a:chExt cx="0" cy="0"/>
+        </a:xfrm>
+      </p:grpSpPr>
+      <p:sp>
+        <p:nvSpPr>
+          <p:cNvPr id="2" name="슬라이드 이미지 개체 틀 1"/>
+          <p:cNvSpPr>
+            <a:spLocks noGrp="1" noRot="1" noChangeAspect="1"/>
+          </p:cNvSpPr>
+          <p:nvPr>
+            <p:ph type="sldImg"/>
+          </p:nvPr>
+        </p:nvSpPr>
+        <p:spPr/>
+      </p:sp>
+      <p:sp>
+        <p:nvSpPr>
+          <p:cNvPr id="3" name="슬라이드 노트 개체 틀 2"/>
+          <p:cNvSpPr>
+            <a:spLocks noGrp="1"/>
+          </p:cNvSpPr>
+          <p:nvPr>
+            <p:ph type="body" idx="1"/>
+          </p:nvPr>
+        </p:nvSpPr>
+        <p:spPr/>
+        <p:txBody>
+          <a:bodyPr/>
+          <a:lstStyle/>
+          <a:p>
+            <a:pPr marL="0" marR="0" lvl="0" indent="0" algn="l" defTabSz="914400" rtl="0" eaLnBrk="1" fontAlgn="auto" latinLnBrk="0" hangingPunct="1">
+              <a:lnSpc>
+                <a:spcPct val="100000"/>
+              </a:lnSpc>
+              <a:spcBef>
+                <a:spcPts val="0"/>
+              </a:spcBef>
+              <a:spcAft>
+                <a:spcPts val="0"/>
+              </a:spcAft>
+              <a:buClrTx/>
+              <a:buSzTx/>
+              <a:buFontTx/>
+              <a:buNone/>
+              <a:tabLst/>
+              <a:defRPr/>
+            </a:pPr>
+            <a:r>
+              <a:rPr lang="en-US" dirty="0"/>
+              <a:t>Siri from Apple and Alexa from Amazon also use same process.</a:t>
+            </a:r>
+          </a:p>
+          <a:p>
+            <a:pPr marL="0" marR="0" lvl="0" indent="0" algn="l" defTabSz="914400" rtl="0" eaLnBrk="1" fontAlgn="auto" latinLnBrk="0" hangingPunct="1">
+              <a:lnSpc>
+                <a:spcPct val="100000"/>
+              </a:lnSpc>
+              <a:spcBef>
+                <a:spcPts val="0"/>
+              </a:spcBef>
+              <a:spcAft>
+                <a:spcPts val="0"/>
+              </a:spcAft>
+              <a:buClrTx/>
+              <a:buSzTx/>
+              <a:buFontTx/>
+              <a:buNone/>
+              <a:tabLst/>
+              <a:defRPr/>
+            </a:pPr>
+            <a:r>
+              <a:rPr lang="en-US" dirty="0"/>
+              <a:t>The just added voice recognition technology.</a:t>
+            </a:r>
+          </a:p>
+        </p:txBody>
+      </p:sp>
+      <p:sp>
+        <p:nvSpPr>
+          <p:cNvPr id="4" name="슬라이드 번호 개체 틀 3"/>
+          <p:cNvSpPr>
+            <a:spLocks noGrp="1"/>
+          </p:cNvSpPr>
+          <p:nvPr>
+            <p:ph type="sldNum" sz="quarter" idx="10"/>
+          </p:nvPr>
+        </p:nvSpPr>
+        <p:spPr/>
+        <p:txBody>
+          <a:bodyPr/>
+          <a:lstStyle/>
+          <a:p>
+            <a:fld id="{772745C2-B5F1-4B10-8C0E-DEBCE2EB7236}" type="slidenum">
+              <a:rPr lang="en-US" smtClean="0"/>
+              <a:t>3</a:t>
+            </a:fld>
+            <a:endParaRPr lang="en-US"/>
+          </a:p>
+        </p:txBody>
+      </p:sp>
+    </p:spTree>
+    <p:extLst>
+      <p:ext uri="{BB962C8B-B14F-4D97-AF65-F5344CB8AC3E}">
+        <p14:creationId xmlns:p14="http://schemas.microsoft.com/office/powerpoint/2010/main" val="2028799757"/>
+      </p:ext>
+    </p:extLst>
+  </p:cSld>
+  <p:clrMapOvr>
+    <a:masterClrMapping/>
+  </p:clrMapOvr>
+</p:notes>
+</file>
+
+<file path=ppt/notesSlides/notesSlide4.xml><?xml version="1.0" encoding="utf-8"?>
+<p:notes xmlns:a="http://schemas.openxmlformats.org/drawingml/2006/main" xmlns:r="http://schemas.openxmlformats.org/officeDocument/2006/relationships" xmlns:p="http://schemas.openxmlformats.org/presentationml/2006/main">
+  <p:cSld>
+    <p:spTree>
+      <p:nvGrpSpPr>
+        <p:cNvPr id="1" name=""/>
+        <p:cNvGrpSpPr/>
+        <p:nvPr/>
+      </p:nvGrpSpPr>
+      <p:grpSpPr>
+        <a:xfrm>
+          <a:off x="0" y="0"/>
+          <a:ext cx="0" cy="0"/>
+          <a:chOff x="0" y="0"/>
+          <a:chExt cx="0" cy="0"/>
+        </a:xfrm>
+      </p:grpSpPr>
+      <p:sp>
+        <p:nvSpPr>
+          <p:cNvPr id="2" name="슬라이드 이미지 개체 틀 1"/>
+          <p:cNvSpPr>
+            <a:spLocks noGrp="1" noRot="1" noChangeAspect="1"/>
+          </p:cNvSpPr>
+          <p:nvPr>
+            <p:ph type="sldImg"/>
+          </p:nvPr>
+        </p:nvSpPr>
+        <p:spPr/>
+      </p:sp>
+      <p:sp>
+        <p:nvSpPr>
+          <p:cNvPr id="3" name="슬라이드 노트 개체 틀 2"/>
+          <p:cNvSpPr>
+            <a:spLocks noGrp="1"/>
+          </p:cNvSpPr>
+          <p:nvPr>
+            <p:ph type="body" idx="1"/>
+          </p:nvPr>
+        </p:nvSpPr>
+        <p:spPr/>
+        <p:txBody>
+          <a:bodyPr/>
+          <a:lstStyle/>
+          <a:p>
+            <a:pPr marL="0" marR="0" lvl="0" indent="0" algn="l" defTabSz="914400" rtl="0" eaLnBrk="1" fontAlgn="auto" latinLnBrk="0" hangingPunct="1">
+              <a:lnSpc>
+                <a:spcPct val="100000"/>
+              </a:lnSpc>
+              <a:spcBef>
+                <a:spcPts val="0"/>
+              </a:spcBef>
+              <a:spcAft>
+                <a:spcPts val="0"/>
+              </a:spcAft>
+              <a:buClrTx/>
+              <a:buSzTx/>
+              <a:buFontTx/>
+              <a:buNone/>
+              <a:tabLst/>
+              <a:defRPr/>
+            </a:pPr>
+            <a:r>
+              <a:rPr lang="en-US" sz="1200" dirty="0"/>
+              <a:t>They don’t process Natural Language.</a:t>
+            </a:r>
+          </a:p>
+          <a:p>
+            <a:pPr marL="0" marR="0" lvl="0" indent="0" algn="l" defTabSz="914400" rtl="0" eaLnBrk="1" fontAlgn="auto" latinLnBrk="0" hangingPunct="1">
+              <a:lnSpc>
+                <a:spcPct val="100000"/>
+              </a:lnSpc>
+              <a:spcBef>
+                <a:spcPts val="0"/>
+              </a:spcBef>
+              <a:spcAft>
+                <a:spcPts val="0"/>
+              </a:spcAft>
+              <a:buClrTx/>
+              <a:buSzTx/>
+              <a:buFontTx/>
+              <a:buNone/>
+              <a:tabLst/>
+              <a:defRPr/>
+            </a:pPr>
+            <a:r>
+              <a:rPr lang="en-US" sz="1200" dirty="0"/>
+              <a:t>That means, if you set all responses of limited number of questions, it </a:t>
+            </a:r>
+            <a:r>
+              <a:rPr lang="en-US" sz="1200"/>
+              <a:t>will work well.</a:t>
+            </a:r>
+          </a:p>
+        </p:txBody>
+      </p:sp>
+      <p:sp>
+        <p:nvSpPr>
+          <p:cNvPr id="4" name="슬라이드 번호 개체 틀 3"/>
+          <p:cNvSpPr>
+            <a:spLocks noGrp="1"/>
+          </p:cNvSpPr>
+          <p:nvPr>
+            <p:ph type="sldNum" sz="quarter" idx="10"/>
+          </p:nvPr>
+        </p:nvSpPr>
+        <p:spPr/>
+        <p:txBody>
+          <a:bodyPr/>
+          <a:lstStyle/>
+          <a:p>
+            <a:fld id="{772745C2-B5F1-4B10-8C0E-DEBCE2EB7236}" type="slidenum">
+              <a:rPr lang="en-US" smtClean="0"/>
+              <a:t>4</a:t>
+            </a:fld>
+            <a:endParaRPr lang="en-US"/>
+          </a:p>
+        </p:txBody>
+      </p:sp>
+    </p:spTree>
+    <p:extLst>
+      <p:ext uri="{BB962C8B-B14F-4D97-AF65-F5344CB8AC3E}">
+        <p14:creationId xmlns:p14="http://schemas.microsoft.com/office/powerpoint/2010/main" val="633870594"/>
+      </p:ext>
+    </p:extLst>
+  </p:cSld>
+  <p:clrMapOvr>
+    <a:masterClrMapping/>
+  </p:clrMapOvr>
+</p:notes>
+</file>
+
 <file path=ppt/slideLayouts/slideLayout1.xml><?xml version="1.0" encoding="utf-8"?>
 <p:sldLayout xmlns:a="http://schemas.openxmlformats.org/drawingml/2006/main" xmlns:r="http://schemas.openxmlformats.org/officeDocument/2006/relationships" xmlns:p="http://schemas.openxmlformats.org/presentationml/2006/main" type="title" preserve="1">
   <p:cSld name="제목 슬라이드">
@@ -717,7 +3729,7 @@
           <a:p>
             <a:fld id="{0D913C1F-5111-45C8-8646-4E60C4FCFD33}" type="datetime1">
               <a:rPr lang="en-US" smtClean="0"/>
-              <a:t>7/25/2017</a:t>
+              <a:t>7/26/2017</a:t>
             </a:fld>
             <a:endParaRPr lang="en-US"/>
           </a:p>
@@ -892,7 +3904,7 @@
           <a:p>
             <a:fld id="{D3A57730-C926-45F0-9361-C8E6CC7EFAB1}" type="datetime1">
               <a:rPr lang="en-US" smtClean="0"/>
-              <a:t>7/25/2017</a:t>
+              <a:t>7/26/2017</a:t>
             </a:fld>
             <a:endParaRPr lang="en-US"/>
           </a:p>
@@ -1072,7 +4084,7 @@
           <a:p>
             <a:fld id="{72F94769-6EA4-484E-8E33-A5D2CCD7F3B4}" type="datetime1">
               <a:rPr lang="en-US" smtClean="0"/>
-              <a:t>7/25/2017</a:t>
+              <a:t>7/26/2017</a:t>
             </a:fld>
             <a:endParaRPr lang="en-US"/>
           </a:p>
@@ -1242,7 +4254,7 @@
           <a:p>
             <a:fld id="{875CDD8C-CF5A-4DB3-98F8-3A2639B39FE9}" type="datetime1">
               <a:rPr lang="en-US" smtClean="0"/>
-              <a:t>7/25/2017</a:t>
+              <a:t>7/26/2017</a:t>
             </a:fld>
             <a:endParaRPr lang="en-US"/>
           </a:p>
@@ -1510,7 +4522,7 @@
           <a:p>
             <a:fld id="{73567B6B-69B5-4721-8DDE-4EEC9B6DCE0D}" type="datetime1">
               <a:rPr lang="en-US" smtClean="0"/>
-              <a:t>7/25/2017</a:t>
+              <a:t>7/26/2017</a:t>
             </a:fld>
             <a:endParaRPr lang="en-US"/>
           </a:p>
@@ -1742,7 +4754,7 @@
           <a:p>
             <a:fld id="{98DD2B97-22CE-4922-9B75-1DD88489AFD6}" type="datetime1">
               <a:rPr lang="en-US" smtClean="0"/>
-              <a:t>7/25/2017</a:t>
+              <a:t>7/26/2017</a:t>
             </a:fld>
             <a:endParaRPr lang="en-US"/>
           </a:p>
@@ -2101,7 +5113,7 @@
           <a:p>
             <a:fld id="{71335CB9-B160-4C99-9B3C-64E62B2B8AA1}" type="datetime1">
               <a:rPr lang="en-US" smtClean="0"/>
-              <a:t>7/25/2017</a:t>
+              <a:t>7/26/2017</a:t>
             </a:fld>
             <a:endParaRPr lang="en-US"/>
           </a:p>
@@ -2242,7 +5254,7 @@
           <a:p>
             <a:fld id="{AB5FD2A9-980D-4792-8107-6837CF22CACC}" type="datetime1">
               <a:rPr lang="en-US" smtClean="0"/>
-              <a:t>7/25/2017</a:t>
+              <a:t>7/26/2017</a:t>
             </a:fld>
             <a:endParaRPr lang="en-US"/>
           </a:p>
@@ -2337,7 +5349,7 @@
           <a:p>
             <a:fld id="{AE49ADA3-5F6C-44F2-923F-B96DDB41268F}" type="datetime1">
               <a:rPr lang="en-US" smtClean="0"/>
-              <a:t>7/25/2017</a:t>
+              <a:t>7/26/2017</a:t>
             </a:fld>
             <a:endParaRPr lang="en-US"/>
           </a:p>
@@ -2694,7 +5706,7 @@
           <a:p>
             <a:fld id="{CD641920-CFA1-454E-AD47-3EEEB5605BD0}" type="datetime1">
               <a:rPr lang="en-US" smtClean="0"/>
-              <a:t>7/25/2017</a:t>
+              <a:t>7/26/2017</a:t>
             </a:fld>
             <a:endParaRPr lang="en-US"/>
           </a:p>
@@ -3051,7 +6063,7 @@
           <a:p>
             <a:fld id="{F3A5C466-8A77-4A43-A9E6-B875AC354BDD}" type="datetime1">
               <a:rPr lang="en-US" smtClean="0"/>
-              <a:t>7/25/2017</a:t>
+              <a:t>7/26/2017</a:t>
             </a:fld>
             <a:endParaRPr lang="en-US"/>
           </a:p>
@@ -3292,7 +6304,7 @@
           <a:p>
             <a:fld id="{8C1F079E-EE37-4F70-8A6F-71D0624FBE44}" type="datetime1">
               <a:rPr lang="en-US" smtClean="0"/>
-              <a:t>7/25/2017</a:t>
+              <a:t>7/26/2017</a:t>
             </a:fld>
             <a:endParaRPr lang="en-US"/>
           </a:p>
@@ -3874,6 +6886,16 @@
 <file path=ppt/slides/slide2.xml><?xml version="1.0" encoding="utf-8"?>
 <p:sld xmlns:a="http://schemas.openxmlformats.org/drawingml/2006/main" xmlns:r="http://schemas.openxmlformats.org/officeDocument/2006/relationships" xmlns:p="http://schemas.openxmlformats.org/presentationml/2006/main">
   <p:cSld>
+    <p:bg>
+      <p:bgPr>
+        <a:solidFill>
+          <a:schemeClr val="bg1">
+            <a:lumMod val="95000"/>
+          </a:schemeClr>
+        </a:solidFill>
+        <a:effectLst/>
+      </p:bgPr>
+    </p:bg>
     <p:spTree>
       <p:nvGrpSpPr>
         <p:cNvPr id="1" name=""/>
@@ -3888,6 +6910,141 @@
           <a:chExt cx="0" cy="0"/>
         </a:xfrm>
       </p:grpSpPr>
+      <p:pic>
+        <p:nvPicPr>
+          <p:cNvPr id="8" name="그림 7" descr="스크린샷이(가) 표시된 사진&#10;&#10;매우 높은 신뢰도로 생성된 설명">
+            <a:extLst>
+              <a:ext uri="{FF2B5EF4-FFF2-40B4-BE49-F238E27FC236}">
+                <a16:creationId xmlns:a16="http://schemas.microsoft.com/office/drawing/2014/main" id="{9C50D6CD-166E-4DFD-AA53-CE5FDAB10B95}"/>
+              </a:ext>
+            </a:extLst>
+          </p:cNvPr>
+          <p:cNvPicPr>
+            <a:picLocks noChangeAspect="1"/>
+          </p:cNvPicPr>
+          <p:nvPr/>
+        </p:nvPicPr>
+        <p:blipFill rotWithShape="1">
+          <a:blip r:embed="rId3">
+            <a:extLst>
+              <a:ext uri="{28A0092B-C50C-407E-A947-70E740481C1C}">
+                <a14:useLocalDpi xmlns:a14="http://schemas.microsoft.com/office/drawing/2010/main" val="0"/>
+              </a:ext>
+            </a:extLst>
+          </a:blip>
+          <a:srcRect b="39190"/>
+          <a:stretch/>
+        </p:blipFill>
+        <p:spPr>
+          <a:xfrm>
+            <a:off x="960120" y="1121757"/>
+            <a:ext cx="3137298" cy="1230524"/>
+          </a:xfrm>
+          <a:prstGeom prst="rect">
+            <a:avLst/>
+          </a:prstGeom>
+          <a:ln w="31750" cap="sq">
+            <a:solidFill>
+              <a:srgbClr val="FFFFFF"/>
+            </a:solidFill>
+            <a:miter lim="800000"/>
+          </a:ln>
+        </p:spPr>
+      </p:pic>
+      <p:pic>
+        <p:nvPicPr>
+          <p:cNvPr id="1026" name="Picture 2" descr="https://upload.wikimedia.org/wikipedia/commons/thumb/b/b5/PayPal.svg/2000px-PayPal.svg.png">
+            <a:extLst>
+              <a:ext uri="{FF2B5EF4-FFF2-40B4-BE49-F238E27FC236}">
+                <a16:creationId xmlns:a16="http://schemas.microsoft.com/office/drawing/2014/main" id="{C1660E3E-04F5-4194-80DA-3DBA596BFAFA}"/>
+              </a:ext>
+            </a:extLst>
+          </p:cNvPr>
+          <p:cNvPicPr>
+            <a:picLocks noChangeAspect="1" noChangeArrowheads="1"/>
+          </p:cNvPicPr>
+          <p:nvPr/>
+        </p:nvPicPr>
+        <p:blipFill>
+          <a:blip r:embed="rId4">
+            <a:extLst>
+              <a:ext uri="{28A0092B-C50C-407E-A947-70E740481C1C}">
+                <a14:useLocalDpi xmlns:a14="http://schemas.microsoft.com/office/drawing/2010/main" val="0"/>
+              </a:ext>
+            </a:extLst>
+          </a:blip>
+          <a:srcRect/>
+          <a:stretch>
+            <a:fillRect/>
+          </a:stretch>
+        </p:blipFill>
+        <p:spPr bwMode="auto">
+          <a:xfrm>
+            <a:off x="960120" y="3142635"/>
+            <a:ext cx="3137298" cy="831383"/>
+          </a:xfrm>
+          <a:prstGeom prst="rect">
+            <a:avLst/>
+          </a:prstGeom>
+          <a:noFill/>
+          <a:ln w="31750" cap="sq">
+            <a:solidFill>
+              <a:srgbClr val="FFFFFF"/>
+            </a:solidFill>
+            <a:miter lim="800000"/>
+          </a:ln>
+          <a:extLst>
+            <a:ext uri="{909E8E84-426E-40DD-AFC4-6F175D3DCCD1}">
+              <a14:hiddenFill xmlns:a14="http://schemas.microsoft.com/office/drawing/2010/main">
+                <a:solidFill>
+                  <a:srgbClr val="FFFFFF"/>
+                </a:solidFill>
+              </a14:hiddenFill>
+            </a:ext>
+          </a:extLst>
+        </p:spPr>
+      </p:pic>
+      <p:pic>
+        <p:nvPicPr>
+          <p:cNvPr id="6" name="그림 5" descr="스크린샷, 모니터, 화면이(가) 표시된 사진&#10;&#10;매우 높은 신뢰도로 생성된 설명">
+            <a:extLst>
+              <a:ext uri="{FF2B5EF4-FFF2-40B4-BE49-F238E27FC236}">
+                <a16:creationId xmlns:a16="http://schemas.microsoft.com/office/drawing/2014/main" id="{6894D4B2-FDEE-4FF2-9466-CD4B108848D4}"/>
+              </a:ext>
+            </a:extLst>
+          </p:cNvPr>
+          <p:cNvPicPr>
+            <a:picLocks noChangeAspect="1"/>
+          </p:cNvPicPr>
+          <p:nvPr/>
+        </p:nvPicPr>
+        <p:blipFill rotWithShape="1">
+          <a:blip r:embed="rId5">
+            <a:extLst>
+              <a:ext uri="{28A0092B-C50C-407E-A947-70E740481C1C}">
+                <a14:useLocalDpi xmlns:a14="http://schemas.microsoft.com/office/drawing/2010/main" val="0"/>
+              </a:ext>
+            </a:extLst>
+          </a:blip>
+          <a:srcRect l="24014"/>
+          <a:stretch/>
+        </p:blipFill>
+        <p:spPr>
+          <a:xfrm>
+            <a:off x="960120" y="4764372"/>
+            <a:ext cx="3137298" cy="959941"/>
+          </a:xfrm>
+          <a:prstGeom prst="rect">
+            <a:avLst/>
+          </a:prstGeom>
+          <a:ln w="31750" cap="sq">
+            <a:solidFill>
+              <a:srgbClr val="FFFFFF"/>
+            </a:solidFill>
+            <a:miter lim="800000"/>
+          </a:ln>
+        </p:spPr>
+      </p:pic>
       <p:sp>
         <p:nvSpPr>
           <p:cNvPr id="2" name="제목 1">
@@ -3906,12 +7063,14 @@
         </p:nvSpPr>
         <p:spPr>
           <a:xfrm>
-            <a:off x="3232840" y="964692"/>
-            <a:ext cx="5726321" cy="1188720"/>
+            <a:off x="4582050" y="964692"/>
+            <a:ext cx="6649830" cy="1188720"/>
           </a:xfrm>
         </p:spPr>
         <p:txBody>
-          <a:bodyPr/>
+          <a:bodyPr>
+            <a:normAutofit/>
+          </a:bodyPr>
           <a:lstStyle/>
           <a:p>
             <a:r>
@@ -3944,13 +7103,33 @@
             <p:ph idx="1"/>
           </p:nvPr>
         </p:nvSpPr>
-        <p:spPr/>
-        <p:txBody>
-          <a:bodyPr/>
+        <p:spPr>
+          <a:xfrm>
+            <a:off x="4582050" y="2475145"/>
+            <a:ext cx="6649829" cy="3409259"/>
+          </a:xfrm>
+        </p:spPr>
+        <p:txBody>
+          <a:bodyPr>
+            <a:normAutofit/>
+          </a:bodyPr>
           <a:lstStyle/>
           <a:p>
             <a:r>
-              <a:rPr lang="en-US"/>
+              <a:rPr lang="en-US" sz="2400" dirty="0" err="1"/>
+              <a:t>Youtube</a:t>
+            </a:r>
+            <a:endParaRPr lang="en-US" sz="2400" dirty="0"/>
+          </a:p>
+          <a:p>
+            <a:r>
+              <a:rPr lang="en-US" sz="2400" dirty="0"/>
+              <a:t>PayPal</a:t>
+            </a:r>
+          </a:p>
+          <a:p>
+            <a:r>
+              <a:rPr lang="en-US" sz="2400" dirty="0"/>
               <a:t>Cloud9</a:t>
             </a:r>
             <a:endParaRPr lang="en-US" dirty="0"/>
@@ -3973,16 +7152,39 @@
             <p:ph type="sldNum" sz="quarter" idx="12"/>
           </p:nvPr>
         </p:nvSpPr>
-        <p:spPr/>
-        <p:txBody>
-          <a:bodyPr/>
+        <p:spPr>
+          <a:xfrm>
+            <a:off x="11704320" y="6400800"/>
+            <a:ext cx="365760" cy="365760"/>
+          </a:xfrm>
+        </p:spPr>
+        <p:txBody>
+          <a:bodyPr>
+            <a:normAutofit/>
+          </a:bodyPr>
           <a:lstStyle/>
           <a:p>
+            <a:pPr>
+              <a:lnSpc>
+                <a:spcPct val="90000"/>
+              </a:lnSpc>
+              <a:spcAft>
+                <a:spcPts val="600"/>
+              </a:spcAft>
+            </a:pPr>
             <a:fld id="{8B9A499C-E7AC-4E74-9635-A20519089A3A}" type="slidenum">
               <a:rPr lang="en-US" smtClean="0"/>
+              <a:pPr>
+                <a:lnSpc>
+                  <a:spcPct val="90000"/>
+                </a:lnSpc>
+                <a:spcAft>
+                  <a:spcPts val="600"/>
+                </a:spcAft>
+              </a:pPr>
               <a:t>2</a:t>
             </a:fld>
-            <a:endParaRPr lang="en-US"/>
+            <a:endParaRPr lang="en-US" dirty="0"/>
           </a:p>
         </p:txBody>
       </p:sp>
@@ -3990,6 +7192,571 @@
     <p:extLst>
       <p:ext uri="{BB962C8B-B14F-4D97-AF65-F5344CB8AC3E}">
         <p14:creationId xmlns:p14="http://schemas.microsoft.com/office/powerpoint/2010/main" val="1091391866"/>
+      </p:ext>
+    </p:extLst>
+  </p:cSld>
+  <p:clrMapOvr>
+    <a:masterClrMapping/>
+  </p:clrMapOvr>
+</p:sld>
+</file>
+
+<file path=ppt/slides/slide3.xml><?xml version="1.0" encoding="utf-8"?>
+<p:sld xmlns:a="http://schemas.openxmlformats.org/drawingml/2006/main" xmlns:r="http://schemas.openxmlformats.org/officeDocument/2006/relationships" xmlns:p="http://schemas.openxmlformats.org/presentationml/2006/main">
+  <p:cSld>
+    <p:spTree>
+      <p:nvGrpSpPr>
+        <p:cNvPr id="1" name=""/>
+        <p:cNvGrpSpPr/>
+        <p:nvPr/>
+      </p:nvGrpSpPr>
+      <p:grpSpPr>
+        <a:xfrm>
+          <a:off x="0" y="0"/>
+          <a:ext cx="0" cy="0"/>
+          <a:chOff x="0" y="0"/>
+          <a:chExt cx="0" cy="0"/>
+        </a:xfrm>
+      </p:grpSpPr>
+      <p:sp>
+        <p:nvSpPr>
+          <p:cNvPr id="11" name="Rectangle 10"/>
+          <p:cNvSpPr>
+            <a:spLocks noGrp="1" noRot="1" noChangeAspect="1" noMove="1" noResize="1" noEditPoints="1" noAdjustHandles="1" noChangeArrowheads="1" noChangeShapeType="1" noTextEdit="1"/>
+          </p:cNvSpPr>
+          <p:nvPr>
+            <p:extLst>
+              <p:ext uri="{386F3935-93C4-4BCD-93E2-E3B085C9AB24}">
+                <p16:designElem xmlns:p16="http://schemas.microsoft.com/office/powerpoint/2015/main" val="1"/>
+              </p:ext>
+            </p:extLst>
+          </p:nvPr>
+        </p:nvSpPr>
+        <p:spPr>
+          <a:xfrm>
+            <a:off x="0" y="4914900"/>
+            <a:ext cx="12192000" cy="1943100"/>
+          </a:xfrm>
+          <a:prstGeom prst="rect">
+            <a:avLst/>
+          </a:prstGeom>
+          <a:solidFill>
+            <a:schemeClr val="bg1">
+              <a:lumMod val="85000"/>
+            </a:schemeClr>
+          </a:solidFill>
+          <a:ln>
+            <a:noFill/>
+          </a:ln>
+        </p:spPr>
+        <p:style>
+          <a:lnRef idx="2">
+            <a:schemeClr val="accent1">
+              <a:shade val="50000"/>
+            </a:schemeClr>
+          </a:lnRef>
+          <a:fillRef idx="1">
+            <a:schemeClr val="accent1"/>
+          </a:fillRef>
+          <a:effectRef idx="0">
+            <a:schemeClr val="accent1"/>
+          </a:effectRef>
+          <a:fontRef idx="minor">
+            <a:schemeClr val="lt1"/>
+          </a:fontRef>
+        </p:style>
+        <p:txBody>
+          <a:bodyPr rtlCol="0" anchor="ctr"/>
+          <a:lstStyle/>
+          <a:p>
+            <a:pPr algn="ctr"/>
+            <a:endParaRPr lang="en-US"/>
+          </a:p>
+        </p:txBody>
+      </p:sp>
+      <p:sp useBgFill="1">
+        <p:nvSpPr>
+          <p:cNvPr id="13" name="Rectangle 12"/>
+          <p:cNvSpPr>
+            <a:spLocks noGrp="1" noRot="1" noChangeAspect="1" noMove="1" noResize="1" noEditPoints="1" noAdjustHandles="1" noChangeArrowheads="1" noChangeShapeType="1" noTextEdit="1"/>
+          </p:cNvSpPr>
+          <p:nvPr>
+            <p:extLst>
+              <p:ext uri="{386F3935-93C4-4BCD-93E2-E3B085C9AB24}">
+                <p16:designElem xmlns:p16="http://schemas.microsoft.com/office/powerpoint/2015/main" val="1"/>
+              </p:ext>
+            </p:extLst>
+          </p:nvPr>
+        </p:nvSpPr>
+        <p:spPr>
+          <a:xfrm>
+            <a:off x="0" y="0"/>
+            <a:ext cx="12192000" cy="4918511"/>
+          </a:xfrm>
+          <a:prstGeom prst="rect">
+            <a:avLst/>
+          </a:prstGeom>
+          <a:ln>
+            <a:noFill/>
+          </a:ln>
+        </p:spPr>
+        <p:style>
+          <a:lnRef idx="2">
+            <a:schemeClr val="accent1">
+              <a:shade val="50000"/>
+            </a:schemeClr>
+          </a:lnRef>
+          <a:fillRef idx="1">
+            <a:schemeClr val="accent1"/>
+          </a:fillRef>
+          <a:effectRef idx="0">
+            <a:schemeClr val="accent1"/>
+          </a:effectRef>
+          <a:fontRef idx="minor">
+            <a:schemeClr val="lt1"/>
+          </a:fontRef>
+        </p:style>
+        <p:txBody>
+          <a:bodyPr rtlCol="0" anchor="ctr"/>
+          <a:lstStyle/>
+          <a:p>
+            <a:pPr algn="ctr"/>
+            <a:endParaRPr lang="en-US"/>
+          </a:p>
+        </p:txBody>
+      </p:sp>
+      <p:pic>
+        <p:nvPicPr>
+          <p:cNvPr id="2050" name="Picture 2" descr="https://cdn.geekwire.com/wp-content/uploads/2016/08/TrackR-Alexa-Skill-1240x823.jpeg">
+            <a:extLst>
+              <a:ext uri="{FF2B5EF4-FFF2-40B4-BE49-F238E27FC236}">
+                <a16:creationId xmlns:a16="http://schemas.microsoft.com/office/drawing/2014/main" id="{ED99F4E3-1BD3-4B8D-8264-022D599EAA3E}"/>
+              </a:ext>
+            </a:extLst>
+          </p:cNvPr>
+          <p:cNvPicPr>
+            <a:picLocks noChangeAspect="1" noChangeArrowheads="1"/>
+          </p:cNvPicPr>
+          <p:nvPr/>
+        </p:nvPicPr>
+        <p:blipFill>
+          <a:blip r:embed="rId3">
+            <a:extLst>
+              <a:ext uri="{28A0092B-C50C-407E-A947-70E740481C1C}">
+                <a14:useLocalDpi xmlns:a14="http://schemas.microsoft.com/office/drawing/2010/main" val="0"/>
+              </a:ext>
+            </a:extLst>
+          </a:blip>
+          <a:srcRect/>
+          <a:stretch>
+            <a:fillRect/>
+          </a:stretch>
+        </p:blipFill>
+        <p:spPr bwMode="auto">
+          <a:xfrm>
+            <a:off x="6685005" y="2366101"/>
+            <a:ext cx="4116281" cy="2731961"/>
+          </a:xfrm>
+          <a:prstGeom prst="rect">
+            <a:avLst/>
+          </a:prstGeom>
+          <a:noFill/>
+          <a:extLst>
+            <a:ext uri="{909E8E84-426E-40DD-AFC4-6F175D3DCCD1}">
+              <a14:hiddenFill xmlns:a14="http://schemas.microsoft.com/office/drawing/2010/main">
+                <a:solidFill>
+                  <a:srgbClr val="FFFFFF"/>
+                </a:solidFill>
+              </a14:hiddenFill>
+            </a:ext>
+          </a:extLst>
+        </p:spPr>
+      </p:pic>
+      <p:sp>
+        <p:nvSpPr>
+          <p:cNvPr id="2" name="제목 1">
+            <a:extLst>
+              <a:ext uri="{FF2B5EF4-FFF2-40B4-BE49-F238E27FC236}">
+                <a16:creationId xmlns:a16="http://schemas.microsoft.com/office/drawing/2014/main" id="{540B01A0-EA50-4C04-B8AF-A63BE91AC11E}"/>
+              </a:ext>
+            </a:extLst>
+          </p:cNvPr>
+          <p:cNvSpPr>
+            <a:spLocks noGrp="1"/>
+          </p:cNvSpPr>
+          <p:nvPr>
+            <p:ph type="title"/>
+          </p:nvPr>
+        </p:nvSpPr>
+        <p:spPr>
+          <a:xfrm>
+            <a:off x="2248140" y="5383672"/>
+            <a:ext cx="7729728" cy="1188720"/>
+          </a:xfrm>
+        </p:spPr>
+        <p:txBody>
+          <a:bodyPr>
+            <a:normAutofit/>
+          </a:bodyPr>
+          <a:lstStyle/>
+          <a:p>
+            <a:r>
+              <a:rPr lang="en-US" dirty="0" err="1"/>
+              <a:t>ChatBot</a:t>
+            </a:r>
+            <a:r>
+              <a:rPr lang="en-US" dirty="0"/>
+              <a:t> Examples</a:t>
+            </a:r>
+          </a:p>
+        </p:txBody>
+      </p:sp>
+      <p:graphicFrame>
+        <p:nvGraphicFramePr>
+          <p:cNvPr id="6" name="내용 개체 틀 2"/>
+          <p:cNvGraphicFramePr>
+            <a:graphicFrameLocks noGrp="1"/>
+          </p:cNvGraphicFramePr>
+          <p:nvPr>
+            <p:ph idx="1"/>
+            <p:extLst>
+              <p:ext uri="{D42A27DB-BD31-4B8C-83A1-F6EECF244321}">
+                <p14:modId xmlns:p14="http://schemas.microsoft.com/office/powerpoint/2010/main" val="3423620108"/>
+              </p:ext>
+            </p:extLst>
+          </p:nvPr>
+        </p:nvGraphicFramePr>
+        <p:xfrm>
+          <a:off x="946986" y="20224"/>
+          <a:ext cx="10298030" cy="2782808"/>
+        </p:xfrm>
+        <a:graphic>
+          <a:graphicData uri="http://schemas.openxmlformats.org/drawingml/2006/diagram">
+            <dgm:relIds xmlns:dgm="http://schemas.openxmlformats.org/drawingml/2006/diagram" xmlns:r="http://schemas.openxmlformats.org/officeDocument/2006/relationships" r:dm="rId4" r:lo="rId5" r:qs="rId6" r:cs="rId7"/>
+          </a:graphicData>
+        </a:graphic>
+      </p:graphicFrame>
+      <p:sp>
+        <p:nvSpPr>
+          <p:cNvPr id="4" name="슬라이드 번호 개체 틀 3">
+            <a:extLst>
+              <a:ext uri="{FF2B5EF4-FFF2-40B4-BE49-F238E27FC236}">
+                <a16:creationId xmlns:a16="http://schemas.microsoft.com/office/drawing/2014/main" id="{D28DB2EC-2D64-4FE9-9C09-E9EA8BC269B6}"/>
+              </a:ext>
+            </a:extLst>
+          </p:cNvPr>
+          <p:cNvSpPr>
+            <a:spLocks noGrp="1"/>
+          </p:cNvSpPr>
+          <p:nvPr>
+            <p:ph type="sldNum" sz="quarter" idx="12"/>
+          </p:nvPr>
+        </p:nvSpPr>
+        <p:spPr>
+          <a:xfrm>
+            <a:off x="11704320" y="6400800"/>
+            <a:ext cx="365760" cy="365760"/>
+          </a:xfrm>
+        </p:spPr>
+        <p:txBody>
+          <a:bodyPr>
+            <a:normAutofit/>
+          </a:bodyPr>
+          <a:lstStyle/>
+          <a:p>
+            <a:pPr>
+              <a:lnSpc>
+                <a:spcPct val="90000"/>
+              </a:lnSpc>
+              <a:spcAft>
+                <a:spcPts val="600"/>
+              </a:spcAft>
+            </a:pPr>
+            <a:fld id="{8B9A499C-E7AC-4E74-9635-A20519089A3A}" type="slidenum">
+              <a:rPr lang="en-US" smtClean="0"/>
+              <a:pPr>
+                <a:lnSpc>
+                  <a:spcPct val="90000"/>
+                </a:lnSpc>
+                <a:spcAft>
+                  <a:spcPts val="600"/>
+                </a:spcAft>
+              </a:pPr>
+              <a:t>3</a:t>
+            </a:fld>
+            <a:endParaRPr lang="en-US" dirty="0"/>
+          </a:p>
+        </p:txBody>
+      </p:sp>
+      <p:pic>
+        <p:nvPicPr>
+          <p:cNvPr id="2052" name="Picture 4" descr="https://boygeniusreport.files.wordpress.com/2014/03/siri-ios-7-sign.jpg?quality=98&amp;strip=all">
+            <a:extLst>
+              <a:ext uri="{FF2B5EF4-FFF2-40B4-BE49-F238E27FC236}">
+                <a16:creationId xmlns:a16="http://schemas.microsoft.com/office/drawing/2014/main" id="{33E34FDF-0B96-4F5E-A2DB-DC0B9F57B40F}"/>
+              </a:ext>
+            </a:extLst>
+          </p:cNvPr>
+          <p:cNvPicPr>
+            <a:picLocks noChangeAspect="1" noChangeArrowheads="1"/>
+          </p:cNvPicPr>
+          <p:nvPr/>
+        </p:nvPicPr>
+        <p:blipFill rotWithShape="1">
+          <a:blip r:embed="rId9">
+            <a:extLst>
+              <a:ext uri="{28A0092B-C50C-407E-A947-70E740481C1C}">
+                <a14:useLocalDpi xmlns:a14="http://schemas.microsoft.com/office/drawing/2010/main" val="0"/>
+              </a:ext>
+            </a:extLst>
+          </a:blip>
+          <a:srcRect l="15172" t="-145" b="145"/>
+          <a:stretch/>
+        </p:blipFill>
+        <p:spPr bwMode="auto">
+          <a:xfrm>
+            <a:off x="1516899" y="2366102"/>
+            <a:ext cx="4116281" cy="2731961"/>
+          </a:xfrm>
+          <a:prstGeom prst="rect">
+            <a:avLst/>
+          </a:prstGeom>
+          <a:noFill/>
+          <a:extLst>
+            <a:ext uri="{909E8E84-426E-40DD-AFC4-6F175D3DCCD1}">
+              <a14:hiddenFill xmlns:a14="http://schemas.microsoft.com/office/drawing/2010/main">
+                <a:solidFill>
+                  <a:srgbClr val="FFFFFF"/>
+                </a:solidFill>
+              </a14:hiddenFill>
+            </a:ext>
+          </a:extLst>
+        </p:spPr>
+      </p:pic>
+    </p:spTree>
+    <p:extLst>
+      <p:ext uri="{BB962C8B-B14F-4D97-AF65-F5344CB8AC3E}">
+        <p14:creationId xmlns:p14="http://schemas.microsoft.com/office/powerpoint/2010/main" val="1291893457"/>
+      </p:ext>
+    </p:extLst>
+  </p:cSld>
+  <p:clrMapOvr>
+    <a:masterClrMapping/>
+  </p:clrMapOvr>
+</p:sld>
+</file>
+
+<file path=ppt/slides/slide4.xml><?xml version="1.0" encoding="utf-8"?>
+<p:sld xmlns:a="http://schemas.openxmlformats.org/drawingml/2006/main" xmlns:r="http://schemas.openxmlformats.org/officeDocument/2006/relationships" xmlns:p="http://schemas.openxmlformats.org/presentationml/2006/main">
+  <p:cSld>
+    <p:bg>
+      <p:bgPr>
+        <a:solidFill>
+          <a:schemeClr val="bg1">
+            <a:lumMod val="95000"/>
+          </a:schemeClr>
+        </a:solidFill>
+        <a:effectLst/>
+      </p:bgPr>
+    </p:bg>
+    <p:spTree>
+      <p:nvGrpSpPr>
+        <p:cNvPr id="1" name=""/>
+        <p:cNvGrpSpPr/>
+        <p:nvPr/>
+      </p:nvGrpSpPr>
+      <p:grpSpPr>
+        <a:xfrm>
+          <a:off x="0" y="0"/>
+          <a:ext cx="0" cy="0"/>
+          <a:chOff x="0" y="0"/>
+          <a:chExt cx="0" cy="0"/>
+        </a:xfrm>
+      </p:grpSpPr>
+      <p:pic>
+        <p:nvPicPr>
+          <p:cNvPr id="5" name="그림 4" descr="스크린샷이(가) 표시된 사진&#10;&#10;매우 높은 신뢰도로 생성된 설명">
+            <a:extLst>
+              <a:ext uri="{FF2B5EF4-FFF2-40B4-BE49-F238E27FC236}">
+                <a16:creationId xmlns:a16="http://schemas.microsoft.com/office/drawing/2014/main" id="{C249BECB-7A44-4D98-8F7C-27352EB1C0F0}"/>
+              </a:ext>
+            </a:extLst>
+          </p:cNvPr>
+          <p:cNvPicPr>
+            <a:picLocks noChangeAspect="1"/>
+          </p:cNvPicPr>
+          <p:nvPr/>
+        </p:nvPicPr>
+        <p:blipFill rotWithShape="1">
+          <a:blip r:embed="rId3">
+            <a:extLst>
+              <a:ext uri="{28A0092B-C50C-407E-A947-70E740481C1C}">
+                <a14:useLocalDpi xmlns:a14="http://schemas.microsoft.com/office/drawing/2010/main" val="0"/>
+              </a:ext>
+            </a:extLst>
+          </a:blip>
+          <a:srcRect t="8859" r="-2" b="8311"/>
+          <a:stretch/>
+        </p:blipFill>
+        <p:spPr>
+          <a:xfrm>
+            <a:off x="7534654" y="10"/>
+            <a:ext cx="4657345" cy="6857990"/>
+          </a:xfrm>
+          <a:prstGeom prst="rect">
+            <a:avLst/>
+          </a:prstGeom>
+        </p:spPr>
+      </p:pic>
+      <p:sp>
+        <p:nvSpPr>
+          <p:cNvPr id="2" name="제목 1">
+            <a:extLst>
+              <a:ext uri="{FF2B5EF4-FFF2-40B4-BE49-F238E27FC236}">
+                <a16:creationId xmlns:a16="http://schemas.microsoft.com/office/drawing/2014/main" id="{0E7679CB-CCC9-41E1-B7B5-7B1AEE5BD7FC}"/>
+              </a:ext>
+            </a:extLst>
+          </p:cNvPr>
+          <p:cNvSpPr>
+            <a:spLocks noGrp="1"/>
+          </p:cNvSpPr>
+          <p:nvPr>
+            <p:ph type="title"/>
+          </p:nvPr>
+        </p:nvSpPr>
+        <p:spPr>
+          <a:xfrm>
+            <a:off x="804672" y="978776"/>
+            <a:ext cx="5925310" cy="1174991"/>
+          </a:xfrm>
+        </p:spPr>
+        <p:txBody>
+          <a:bodyPr>
+            <a:normAutofit/>
+          </a:bodyPr>
+          <a:lstStyle/>
+          <a:p>
+            <a:r>
+              <a:rPr lang="en-US" sz="2400"/>
+              <a:t>SIMPLE ChatBot Examples</a:t>
+            </a:r>
+          </a:p>
+        </p:txBody>
+      </p:sp>
+      <p:sp>
+        <p:nvSpPr>
+          <p:cNvPr id="3" name="내용 개체 틀 2">
+            <a:extLst>
+              <a:ext uri="{FF2B5EF4-FFF2-40B4-BE49-F238E27FC236}">
+                <a16:creationId xmlns:a16="http://schemas.microsoft.com/office/drawing/2014/main" id="{818F824B-CE04-42BA-ACF7-922052788532}"/>
+              </a:ext>
+            </a:extLst>
+          </p:cNvPr>
+          <p:cNvSpPr>
+            <a:spLocks noGrp="1"/>
+          </p:cNvSpPr>
+          <p:nvPr>
+            <p:ph idx="1"/>
+          </p:nvPr>
+        </p:nvSpPr>
+        <p:spPr>
+          <a:xfrm>
+            <a:off x="804672" y="2640692"/>
+            <a:ext cx="5925310" cy="3255252"/>
+          </a:xfrm>
+        </p:spPr>
+        <p:txBody>
+          <a:bodyPr>
+            <a:normAutofit/>
+          </a:bodyPr>
+          <a:lstStyle/>
+          <a:p>
+            <a:r>
+              <a:rPr lang="en-US" dirty="0"/>
+              <a:t>Weather </a:t>
+            </a:r>
+            <a:r>
+              <a:rPr lang="en-US" dirty="0" err="1"/>
+              <a:t>forcasting</a:t>
+            </a:r>
+            <a:endParaRPr lang="en-US" dirty="0"/>
+          </a:p>
+          <a:p>
+            <a:r>
+              <a:rPr lang="en-US" dirty="0"/>
+              <a:t>Local community</a:t>
+            </a:r>
+          </a:p>
+          <a:p>
+            <a:r>
+              <a:rPr lang="en-US" dirty="0"/>
+              <a:t>Study foreign language</a:t>
+            </a:r>
+          </a:p>
+          <a:p>
+            <a:r>
+              <a:rPr lang="en-US" dirty="0"/>
+              <a:t>Store information &amp; order online</a:t>
+            </a:r>
+          </a:p>
+        </p:txBody>
+      </p:sp>
+      <p:sp>
+        <p:nvSpPr>
+          <p:cNvPr id="6" name="슬라이드 번호 개체 틀 3">
+            <a:extLst>
+              <a:ext uri="{FF2B5EF4-FFF2-40B4-BE49-F238E27FC236}">
+                <a16:creationId xmlns:a16="http://schemas.microsoft.com/office/drawing/2014/main" id="{3D34B71F-423D-4535-A443-A10C5E02EDBA}"/>
+              </a:ext>
+            </a:extLst>
+          </p:cNvPr>
+          <p:cNvSpPr>
+            <a:spLocks noGrp="1"/>
+          </p:cNvSpPr>
+          <p:nvPr>
+            <p:ph type="sldNum" sz="quarter" idx="12"/>
+          </p:nvPr>
+        </p:nvSpPr>
+        <p:spPr>
+          <a:xfrm>
+            <a:off x="11704320" y="6400800"/>
+            <a:ext cx="365760" cy="365760"/>
+          </a:xfrm>
+        </p:spPr>
+        <p:txBody>
+          <a:bodyPr>
+            <a:normAutofit/>
+          </a:bodyPr>
+          <a:lstStyle/>
+          <a:p>
+            <a:pPr>
+              <a:lnSpc>
+                <a:spcPct val="90000"/>
+              </a:lnSpc>
+              <a:spcAft>
+                <a:spcPts val="600"/>
+              </a:spcAft>
+            </a:pPr>
+            <a:fld id="{8B9A499C-E7AC-4E74-9635-A20519089A3A}" type="slidenum">
+              <a:rPr lang="en-US" smtClean="0"/>
+              <a:pPr>
+                <a:lnSpc>
+                  <a:spcPct val="90000"/>
+                </a:lnSpc>
+                <a:spcAft>
+                  <a:spcPts val="600"/>
+                </a:spcAft>
+              </a:pPr>
+              <a:t>4</a:t>
+            </a:fld>
+            <a:endParaRPr lang="en-US" dirty="0"/>
+          </a:p>
+        </p:txBody>
+      </p:sp>
+    </p:spTree>
+    <p:extLst>
+      <p:ext uri="{BB962C8B-B14F-4D97-AF65-F5344CB8AC3E}">
+        <p14:creationId xmlns:p14="http://schemas.microsoft.com/office/powerpoint/2010/main" val="1936165405"/>
       </p:ext>
     </p:extLst>
   </p:cSld>
